--- a/part0/src/getting-started.pptx
+++ b/part0/src/getting-started.pptx
@@ -5,7 +5,7 @@
     <p:sldMasterId id="2147483648" r:id="rId1"/>
   </p:sldMasterIdLst>
   <p:notesMasterIdLst>
-    <p:NotesMasterId r:id="rId24"/>
+    <p:NotesMasterId r:id="rId25"/>
   </p:notesMasterIdLst>
   <p:sldIdLst>
     <p:sldId id="256" r:id="rId2"/>
@@ -30,6 +30,7 @@
     <p:sldId id="275" r:id="rId21"/>
     <p:sldId id="276" r:id="rId22"/>
     <p:sldId id="277" r:id="rId23"/>
+    <p:sldId id="278" r:id="rId24"/>
   </p:sldIdLst>
   <p:sldSz cx="9144000" cy="6858000" type="screen4x3"/>
   <p:notesSz cx="6858000" cy="9144000"/>
@@ -712,7 +713,7 @@
           <a:p>
             <a:fld id="{18BDFEC3-8487-43E8-A154-7C12CBC1FFF2}" type="slidenum">
               <a:rPr lang="en-US"/>
-              <a:t>4</a:t>
+              <a:t>3</a:t>
             </a:fld>
             <a:endParaRPr lang="en-US"/>
           </a:p>
@@ -938,7 +939,7 @@
           <a:p>
             <a:fld id="{18BDFEC3-8487-43E8-A154-7C12CBC1FFF2}" type="slidenum">
               <a:rPr lang="en-US"/>
-              <a:t>13</a:t>
+              <a:t>12</a:t>
             </a:fld>
             <a:endParaRPr lang="en-US"/>
           </a:p>
@@ -1252,7 +1253,7 @@
           <a:p>
             <a:fld id="{18BDFEC3-8487-43E8-A154-7C12CBC1FFF2}" type="slidenum">
               <a:rPr lang="en-US"/>
-              <a:t>14</a:t>
+              <a:t>13</a:t>
             </a:fld>
             <a:endParaRPr lang="en-US"/>
           </a:p>
@@ -1435,450 +1436,6 @@
               <a:t>observations.</a:t>
             </a:r>
           </a:p>
-          <a:p>
-            <a:pPr lvl="0" marL="0" indent="0">
-              <a:buNone/>
-            </a:pPr>
-          </a:p>
-          <a:p>
-            <a:pPr lvl="0" marL="0" indent="0">
-              <a:buNone/>
-            </a:pPr>
-            <a:r>
-              <a:rPr/>
-              <a:t>..and</a:t>
-            </a:r>
-            <a:r>
-              <a:rPr/>
-              <a:t> </a:t>
-            </a:r>
-            <a:r>
-              <a:rPr/>
-              <a:t>that</a:t>
-            </a:r>
-            <a:r>
-              <a:rPr/>
-              <a:t> </a:t>
-            </a:r>
-            <a:r>
-              <a:rPr/>
-              <a:t>you</a:t>
-            </a:r>
-            <a:r>
-              <a:rPr/>
-              <a:t> </a:t>
-            </a:r>
-            <a:r>
-              <a:rPr/>
-              <a:t>are</a:t>
-            </a:r>
-            <a:r>
-              <a:rPr/>
-              <a:t> </a:t>
-            </a:r>
-            <a:r>
-              <a:rPr/>
-              <a:t>analyzing</a:t>
-            </a:r>
-            <a:r>
-              <a:rPr/>
-              <a:t> </a:t>
-            </a:r>
-            <a:r>
-              <a:rPr/>
-              <a:t>the</a:t>
-            </a:r>
-            <a:r>
-              <a:rPr/>
-              <a:t> </a:t>
-            </a:r>
-            <a:r>
-              <a:rPr/>
-              <a:t>proper</a:t>
-            </a:r>
-            <a:r>
-              <a:rPr/>
-              <a:t> </a:t>
-            </a:r>
-            <a:r>
-              <a:rPr/>
-              <a:t>number</a:t>
-            </a:r>
-            <a:r>
-              <a:rPr/>
-              <a:t> </a:t>
-            </a:r>
-            <a:r>
-              <a:rPr/>
-              <a:t>of</a:t>
-            </a:r>
-            <a:r>
-              <a:rPr/>
-              <a:t> </a:t>
-            </a:r>
-            <a:r>
-              <a:rPr/>
-              <a:t>observations.</a:t>
-            </a:r>
-          </a:p>
-          <a:p>
-            <a:pPr lvl="0" marL="0" indent="0">
-              <a:buNone/>
-            </a:pPr>
-          </a:p>
-          <a:p>
-            <a:pPr lvl="0" marL="0" indent="0">
-              <a:buNone/>
-            </a:pPr>
-            <a:r>
-              <a:rPr/>
-              <a:t>There</a:t>
-            </a:r>
-            <a:r>
-              <a:rPr/>
-              <a:t> </a:t>
-            </a:r>
-            <a:r>
-              <a:rPr/>
-              <a:t>are</a:t>
-            </a:r>
-            <a:r>
-              <a:rPr/>
-              <a:t> </a:t>
-            </a:r>
-            <a:r>
-              <a:rPr/>
-              <a:t>additional</a:t>
-            </a:r>
-            <a:r>
-              <a:rPr/>
-              <a:t> </a:t>
-            </a:r>
-            <a:r>
-              <a:rPr/>
-              <a:t>options</a:t>
-            </a:r>
-            <a:r>
-              <a:rPr/>
-              <a:t> </a:t>
-            </a:r>
-            <a:r>
-              <a:rPr/>
-              <a:t>for</a:t>
-            </a:r>
-            <a:r>
-              <a:rPr/>
-              <a:t> </a:t>
-            </a:r>
-            <a:r>
-              <a:rPr/>
-              <a:t>storing</a:t>
-            </a:r>
-            <a:r>
-              <a:rPr/>
-              <a:t> </a:t>
-            </a:r>
-            <a:r>
-              <a:rPr/>
-              <a:t>graphics,</a:t>
-            </a:r>
-            <a:r>
-              <a:rPr/>
-              <a:t> </a:t>
-            </a:r>
-            <a:r>
-              <a:rPr/>
-              <a:t>which</a:t>
-            </a:r>
-            <a:r>
-              <a:rPr/>
-              <a:t> </a:t>
-            </a:r>
-            <a:r>
-              <a:rPr/>
-              <a:t>I</a:t>
-            </a:r>
-            <a:r>
-              <a:rPr/>
-              <a:t> </a:t>
-            </a:r>
-            <a:r>
-              <a:rPr/>
-              <a:t>will</a:t>
-            </a:r>
-            <a:r>
-              <a:rPr/>
-              <a:t> </a:t>
-            </a:r>
-            <a:r>
-              <a:rPr/>
-              <a:t>talk</a:t>
-            </a:r>
-            <a:r>
-              <a:rPr/>
-              <a:t> </a:t>
-            </a:r>
-            <a:r>
-              <a:rPr/>
-              <a:t>about</a:t>
-            </a:r>
-            <a:r>
-              <a:rPr/>
-              <a:t> </a:t>
-            </a:r>
-            <a:r>
-              <a:rPr/>
-              <a:t>later.</a:t>
-            </a:r>
-            <a:r>
-              <a:rPr/>
-              <a:t> </a:t>
-            </a:r>
-            <a:r>
-              <a:rPr/>
-              <a:t>You</a:t>
-            </a:r>
-            <a:r>
-              <a:rPr/>
-              <a:t> </a:t>
-            </a:r>
-            <a:r>
-              <a:rPr/>
-              <a:t>control</a:t>
-            </a:r>
-            <a:r>
-              <a:rPr/>
-              <a:t> </a:t>
-            </a:r>
-            <a:r>
-              <a:rPr/>
-              <a:t>where</a:t>
-            </a:r>
-            <a:r>
-              <a:rPr/>
-              <a:t> </a:t>
-            </a:r>
-            <a:r>
-              <a:rPr/>
-              <a:t>SAS</a:t>
-            </a:r>
-            <a:r>
-              <a:rPr/>
-              <a:t> </a:t>
-            </a:r>
-            <a:r>
-              <a:rPr/>
-              <a:t>places</a:t>
-            </a:r>
-            <a:r>
-              <a:rPr/>
-              <a:t> </a:t>
-            </a:r>
-            <a:r>
-              <a:rPr/>
-              <a:t>its</a:t>
-            </a:r>
-            <a:r>
-              <a:rPr/>
-              <a:t> </a:t>
-            </a:r>
-            <a:r>
-              <a:rPr/>
-              <a:t>output</a:t>
-            </a:r>
-            <a:r>
-              <a:rPr/>
-              <a:t> </a:t>
-            </a:r>
-            <a:r>
-              <a:rPr/>
-              <a:t>in</a:t>
-            </a:r>
-            <a:r>
-              <a:rPr/>
-              <a:t> </a:t>
-            </a:r>
-            <a:r>
-              <a:rPr/>
-              <a:t>the</a:t>
-            </a:r>
-            <a:r>
-              <a:rPr/>
-              <a:t> </a:t>
-            </a:r>
-            <a:r>
-              <a:rPr/>
-              <a:t>results</a:t>
-            </a:r>
-            <a:r>
-              <a:rPr/>
-              <a:t> </a:t>
-            </a:r>
-            <a:r>
-              <a:rPr/>
-              <a:t>tab</a:t>
-            </a:r>
-            <a:r>
-              <a:rPr/>
-              <a:t> </a:t>
-            </a:r>
-            <a:r>
-              <a:rPr/>
-              <a:t>of</a:t>
-            </a:r>
-            <a:r>
-              <a:rPr/>
-              <a:t> </a:t>
-            </a:r>
-            <a:r>
-              <a:rPr/>
-              <a:t>the</a:t>
-            </a:r>
-            <a:r>
-              <a:rPr/>
-              <a:t> </a:t>
-            </a:r>
-            <a:r>
-              <a:rPr/>
-              <a:t>preferences</a:t>
-            </a:r>
-            <a:r>
-              <a:rPr/>
-              <a:t> </a:t>
-            </a:r>
-            <a:r>
-              <a:rPr/>
-              <a:t>dialog</a:t>
-            </a:r>
-            <a:r>
-              <a:rPr/>
-              <a:t> </a:t>
-            </a:r>
-            <a:r>
-              <a:rPr/>
-              <a:t>box.</a:t>
-            </a:r>
-            <a:r>
-              <a:rPr/>
-              <a:t> </a:t>
-            </a:r>
-            <a:r>
-              <a:rPr/>
-              <a:t>Select</a:t>
-            </a:r>
-            <a:r>
-              <a:rPr/>
-              <a:t> </a:t>
-            </a:r>
-            <a:r>
-              <a:rPr/>
-              <a:t>TOOLS</a:t>
-            </a:r>
-            <a:r>
-              <a:rPr/>
-              <a:t> </a:t>
-            </a:r>
-            <a:r>
-              <a:rPr/>
-              <a:t>|</a:t>
-            </a:r>
-            <a:r>
-              <a:rPr/>
-              <a:t> </a:t>
-            </a:r>
-            <a:r>
-              <a:rPr/>
-              <a:t>OPTIONS</a:t>
-            </a:r>
-            <a:r>
-              <a:rPr/>
-              <a:t> </a:t>
-            </a:r>
-            <a:r>
-              <a:rPr/>
-              <a:t>|</a:t>
-            </a:r>
-            <a:r>
-              <a:rPr/>
-              <a:t> </a:t>
-            </a:r>
-            <a:r>
-              <a:rPr/>
-              <a:t>PREFERENCES</a:t>
-            </a:r>
-            <a:r>
-              <a:rPr/>
-              <a:t> </a:t>
-            </a:r>
-            <a:r>
-              <a:rPr/>
-              <a:t>from</a:t>
-            </a:r>
-            <a:r>
-              <a:rPr/>
-              <a:t> </a:t>
-            </a:r>
-            <a:r>
-              <a:rPr/>
-              <a:t>the</a:t>
-            </a:r>
-            <a:r>
-              <a:rPr/>
-              <a:t> </a:t>
-            </a:r>
-            <a:r>
-              <a:rPr/>
-              <a:t>menu</a:t>
-            </a:r>
-            <a:r>
-              <a:rPr/>
-              <a:t> </a:t>
-            </a:r>
-            <a:r>
-              <a:rPr/>
-              <a:t>and</a:t>
-            </a:r>
-            <a:r>
-              <a:rPr/>
-              <a:t> </a:t>
-            </a:r>
-            <a:r>
-              <a:rPr/>
-              <a:t>click</a:t>
-            </a:r>
-            <a:r>
-              <a:rPr/>
-              <a:t> </a:t>
-            </a:r>
-            <a:r>
-              <a:rPr/>
-              <a:t>on</a:t>
-            </a:r>
-            <a:r>
-              <a:rPr/>
-              <a:t> </a:t>
-            </a:r>
-            <a:r>
-              <a:rPr/>
-              <a:t>the</a:t>
-            </a:r>
-            <a:r>
-              <a:rPr/>
-              <a:t> </a:t>
-            </a:r>
-            <a:r>
-              <a:rPr/>
-              <a:t>RESULTS</a:t>
-            </a:r>
-            <a:r>
-              <a:rPr/>
-              <a:t> </a:t>
-            </a:r>
-            <a:r>
-              <a:rPr/>
-              <a:t>tab.</a:t>
-            </a:r>
-          </a:p>
         </p:txBody>
       </p:sp>
       <p:sp>
@@ -1898,7 +1455,7 @@
           <a:p>
             <a:fld id="{18BDFEC3-8487-43E8-A154-7C12CBC1FFF2}" type="slidenum">
               <a:rPr lang="en-US"/>
-              <a:t>15</a:t>
+              <a:t>14</a:t>
             </a:fld>
             <a:endParaRPr lang="en-US"/>
           </a:p>
@@ -1958,15 +1515,39 @@
             </a:pPr>
             <a:r>
               <a:rPr/>
-              <a:t>Click</a:t>
-            </a:r>
-            <a:r>
-              <a:rPr/>
-              <a:t> </a:t>
-            </a:r>
-            <a:r>
-              <a:rPr/>
-              <a:t>on</a:t>
+              <a:t>..and</a:t>
+            </a:r>
+            <a:r>
+              <a:rPr/>
+              <a:t> </a:t>
+            </a:r>
+            <a:r>
+              <a:rPr/>
+              <a:t>that</a:t>
+            </a:r>
+            <a:r>
+              <a:rPr/>
+              <a:t> </a:t>
+            </a:r>
+            <a:r>
+              <a:rPr/>
+              <a:t>you</a:t>
+            </a:r>
+            <a:r>
+              <a:rPr/>
+              <a:t> </a:t>
+            </a:r>
+            <a:r>
+              <a:rPr/>
+              <a:t>are</a:t>
+            </a:r>
+            <a:r>
+              <a:rPr/>
+              <a:t> </a:t>
+            </a:r>
+            <a:r>
+              <a:rPr/>
+              <a:t>analyzing</a:t>
             </a:r>
             <a:r>
               <a:rPr/>
@@ -1982,327 +1563,31 @@
             </a:r>
             <a:r>
               <a:rPr/>
-              <a:t>CREATE</a:t>
-            </a:r>
-            <a:r>
-              <a:rPr/>
-              <a:t> </a:t>
-            </a:r>
-            <a:r>
-              <a:rPr/>
-              <a:t>LISTING</a:t>
-            </a:r>
-            <a:r>
-              <a:rPr/>
-              <a:t> </a:t>
-            </a:r>
-            <a:r>
-              <a:rPr/>
-              <a:t>option</a:t>
-            </a:r>
-            <a:r>
-              <a:rPr/>
-              <a:t> </a:t>
-            </a:r>
-            <a:r>
-              <a:rPr/>
-              <a:t>box</a:t>
-            </a:r>
-            <a:r>
-              <a:rPr/>
-              <a:t> </a:t>
-            </a:r>
-            <a:r>
-              <a:rPr/>
-              <a:t>to</a:t>
-            </a:r>
-            <a:r>
-              <a:rPr/>
-              <a:t> </a:t>
-            </a:r>
-            <a:r>
-              <a:rPr/>
-              <a:t>send</a:t>
-            </a:r>
-            <a:r>
-              <a:rPr/>
-              <a:t> </a:t>
-            </a:r>
-            <a:r>
-              <a:rPr/>
-              <a:t>the</a:t>
-            </a:r>
-            <a:r>
-              <a:rPr/>
-              <a:t> </a:t>
-            </a:r>
-            <a:r>
-              <a:rPr/>
-              <a:t>output</a:t>
-            </a:r>
-            <a:r>
-              <a:rPr/>
-              <a:t> </a:t>
-            </a:r>
-            <a:r>
-              <a:rPr/>
-              <a:t>to</a:t>
-            </a:r>
-            <a:r>
-              <a:rPr/>
-              <a:t> </a:t>
-            </a:r>
-            <a:r>
-              <a:rPr/>
-              <a:t>the</a:t>
-            </a:r>
-            <a:r>
-              <a:rPr/>
-              <a:t> </a:t>
-            </a:r>
-            <a:r>
-              <a:rPr/>
-              <a:t>output</a:t>
-            </a:r>
-            <a:r>
-              <a:rPr/>
-              <a:t> </a:t>
-            </a:r>
-            <a:r>
-              <a:rPr/>
-              <a:t>window.</a:t>
-            </a:r>
-            <a:r>
-              <a:rPr/>
-              <a:t> </a:t>
-            </a:r>
-            <a:r>
-              <a:rPr/>
-              <a:t>Click</a:t>
-            </a:r>
-            <a:r>
-              <a:rPr/>
-              <a:t> </a:t>
-            </a:r>
-            <a:r>
-              <a:rPr/>
-              <a:t>on</a:t>
-            </a:r>
-            <a:r>
-              <a:rPr/>
-              <a:t> </a:t>
-            </a:r>
-            <a:r>
-              <a:rPr/>
-              <a:t>the</a:t>
-            </a:r>
-            <a:r>
-              <a:rPr/>
-              <a:t> </a:t>
-            </a:r>
-            <a:r>
-              <a:rPr/>
-              <a:t>CREATE</a:t>
-            </a:r>
-            <a:r>
-              <a:rPr/>
-              <a:t> </a:t>
-            </a:r>
-            <a:r>
-              <a:rPr/>
-              <a:t>HTML</a:t>
-            </a:r>
-            <a:r>
-              <a:rPr/>
-              <a:t> </a:t>
-            </a:r>
-            <a:r>
-              <a:rPr/>
-              <a:t>option</a:t>
-            </a:r>
-            <a:r>
-              <a:rPr/>
-              <a:t> </a:t>
-            </a:r>
-            <a:r>
-              <a:rPr/>
-              <a:t>box</a:t>
-            </a:r>
-            <a:r>
-              <a:rPr/>
-              <a:t> </a:t>
-            </a:r>
-            <a:r>
-              <a:rPr/>
-              <a:t>to</a:t>
-            </a:r>
-            <a:r>
-              <a:rPr/>
-              <a:t> </a:t>
-            </a:r>
-            <a:r>
-              <a:rPr/>
-              <a:t>send</a:t>
-            </a:r>
-            <a:r>
-              <a:rPr/>
-              <a:t> </a:t>
-            </a:r>
-            <a:r>
-              <a:rPr/>
-              <a:t>the</a:t>
-            </a:r>
-            <a:r>
-              <a:rPr/>
-              <a:t> </a:t>
-            </a:r>
-            <a:r>
-              <a:rPr/>
-              <a:t>output</a:t>
-            </a:r>
-            <a:r>
-              <a:rPr/>
-              <a:t> </a:t>
-            </a:r>
-            <a:r>
-              <a:rPr/>
-              <a:t>to</a:t>
-            </a:r>
-            <a:r>
-              <a:rPr/>
-              <a:t> </a:t>
-            </a:r>
-            <a:r>
-              <a:rPr/>
-              <a:t>an</a:t>
-            </a:r>
-            <a:r>
-              <a:rPr/>
-              <a:t> </a:t>
-            </a:r>
-            <a:r>
-              <a:rPr/>
-              <a:t>html</a:t>
-            </a:r>
-            <a:r>
-              <a:rPr/>
-              <a:t> </a:t>
-            </a:r>
-            <a:r>
-              <a:rPr/>
-              <a:t>file.</a:t>
-            </a:r>
-            <a:r>
-              <a:rPr/>
-              <a:t> </a:t>
-            </a:r>
-            <a:r>
-              <a:rPr/>
-              <a:t>Click</a:t>
-            </a:r>
-            <a:r>
-              <a:rPr/>
-              <a:t> </a:t>
-            </a:r>
-            <a:r>
-              <a:rPr/>
-              <a:t>on</a:t>
-            </a:r>
-            <a:r>
-              <a:rPr/>
-              <a:t> </a:t>
-            </a:r>
-            <a:r>
-              <a:rPr/>
-              <a:t>the</a:t>
-            </a:r>
-            <a:r>
-              <a:rPr/>
-              <a:t> </a:t>
-            </a:r>
-            <a:r>
-              <a:rPr/>
-              <a:t>BROWSE</a:t>
-            </a:r>
-            <a:r>
-              <a:rPr/>
-              <a:t> </a:t>
-            </a:r>
-            <a:r>
-              <a:rPr/>
-              <a:t>button</a:t>
-            </a:r>
-            <a:r>
-              <a:rPr/>
-              <a:t> </a:t>
-            </a:r>
-            <a:r>
-              <a:rPr/>
-              <a:t>to</a:t>
-            </a:r>
-            <a:r>
-              <a:rPr/>
-              <a:t> </a:t>
-            </a:r>
-            <a:r>
-              <a:rPr/>
-              <a:t>select</a:t>
-            </a:r>
-            <a:r>
-              <a:rPr/>
-              <a:t> </a:t>
-            </a:r>
-            <a:r>
-              <a:rPr/>
-              <a:t>a</a:t>
-            </a:r>
-            <a:r>
-              <a:rPr/>
-              <a:t> </a:t>
-            </a:r>
-            <a:r>
-              <a:rPr/>
-              <a:t>default</a:t>
-            </a:r>
-            <a:r>
-              <a:rPr/>
-              <a:t> </a:t>
-            </a:r>
-            <a:r>
-              <a:rPr/>
-              <a:t>folder</a:t>
-            </a:r>
-            <a:r>
-              <a:rPr/>
-              <a:t> </a:t>
-            </a:r>
-            <a:r>
-              <a:rPr/>
-              <a:t>for</a:t>
-            </a:r>
-            <a:r>
-              <a:rPr/>
-              <a:t> </a:t>
-            </a:r>
-            <a:r>
-              <a:rPr/>
-              <a:t>your</a:t>
-            </a:r>
-            <a:r>
-              <a:rPr/>
-              <a:t> </a:t>
-            </a:r>
-            <a:r>
-              <a:rPr/>
-              <a:t>html</a:t>
-            </a:r>
-            <a:r>
-              <a:rPr/>
-              <a:t> </a:t>
-            </a:r>
-            <a:r>
-              <a:rPr/>
-              <a:t>file.</a:t>
+              <a:t>proper</a:t>
+            </a:r>
+            <a:r>
+              <a:rPr/>
+              <a:t> </a:t>
+            </a:r>
+            <a:r>
+              <a:rPr/>
+              <a:t>number</a:t>
+            </a:r>
+            <a:r>
+              <a:rPr/>
+              <a:t> </a:t>
+            </a:r>
+            <a:r>
+              <a:rPr/>
+              <a:t>of</a:t>
+            </a:r>
+            <a:r>
+              <a:rPr/>
+              <a:t> </a:t>
+            </a:r>
+            <a:r>
+              <a:rPr/>
+              <a:t>observations.</a:t>
             </a:r>
           </a:p>
         </p:txBody>
@@ -2324,7 +1609,7 @@
           <a:p>
             <a:fld id="{18BDFEC3-8487-43E8-A154-7C12CBC1FFF2}" type="slidenum">
               <a:rPr lang="en-US"/>
-              <a:t>16</a:t>
+              <a:t>15</a:t>
             </a:fld>
             <a:endParaRPr lang="en-US"/>
           </a:p>
@@ -2384,15 +1669,167 @@
             </a:pPr>
             <a:r>
               <a:rPr/>
-              <a:t>Here’s</a:t>
-            </a:r>
-            <a:r>
-              <a:rPr/>
-              <a:t> </a:t>
-            </a:r>
-            <a:r>
-              <a:rPr/>
-              <a:t>what</a:t>
+              <a:t>There</a:t>
+            </a:r>
+            <a:r>
+              <a:rPr/>
+              <a:t> </a:t>
+            </a:r>
+            <a:r>
+              <a:rPr/>
+              <a:t>are</a:t>
+            </a:r>
+            <a:r>
+              <a:rPr/>
+              <a:t> </a:t>
+            </a:r>
+            <a:r>
+              <a:rPr/>
+              <a:t>additional</a:t>
+            </a:r>
+            <a:r>
+              <a:rPr/>
+              <a:t> </a:t>
+            </a:r>
+            <a:r>
+              <a:rPr/>
+              <a:t>options</a:t>
+            </a:r>
+            <a:r>
+              <a:rPr/>
+              <a:t> </a:t>
+            </a:r>
+            <a:r>
+              <a:rPr/>
+              <a:t>for</a:t>
+            </a:r>
+            <a:r>
+              <a:rPr/>
+              <a:t> </a:t>
+            </a:r>
+            <a:r>
+              <a:rPr/>
+              <a:t>storing</a:t>
+            </a:r>
+            <a:r>
+              <a:rPr/>
+              <a:t> </a:t>
+            </a:r>
+            <a:r>
+              <a:rPr/>
+              <a:t>graphics,</a:t>
+            </a:r>
+            <a:r>
+              <a:rPr/>
+              <a:t> </a:t>
+            </a:r>
+            <a:r>
+              <a:rPr/>
+              <a:t>which</a:t>
+            </a:r>
+            <a:r>
+              <a:rPr/>
+              <a:t> </a:t>
+            </a:r>
+            <a:r>
+              <a:rPr/>
+              <a:t>I</a:t>
+            </a:r>
+            <a:r>
+              <a:rPr/>
+              <a:t> </a:t>
+            </a:r>
+            <a:r>
+              <a:rPr/>
+              <a:t>will</a:t>
+            </a:r>
+            <a:r>
+              <a:rPr/>
+              <a:t> </a:t>
+            </a:r>
+            <a:r>
+              <a:rPr/>
+              <a:t>talk</a:t>
+            </a:r>
+            <a:r>
+              <a:rPr/>
+              <a:t> </a:t>
+            </a:r>
+            <a:r>
+              <a:rPr/>
+              <a:t>about</a:t>
+            </a:r>
+            <a:r>
+              <a:rPr/>
+              <a:t> </a:t>
+            </a:r>
+            <a:r>
+              <a:rPr/>
+              <a:t>later.</a:t>
+            </a:r>
+            <a:r>
+              <a:rPr/>
+              <a:t> </a:t>
+            </a:r>
+            <a:r>
+              <a:rPr/>
+              <a:t>You</a:t>
+            </a:r>
+            <a:r>
+              <a:rPr/>
+              <a:t> </a:t>
+            </a:r>
+            <a:r>
+              <a:rPr/>
+              <a:t>control</a:t>
+            </a:r>
+            <a:r>
+              <a:rPr/>
+              <a:t> </a:t>
+            </a:r>
+            <a:r>
+              <a:rPr/>
+              <a:t>where</a:t>
+            </a:r>
+            <a:r>
+              <a:rPr/>
+              <a:t> </a:t>
+            </a:r>
+            <a:r>
+              <a:rPr/>
+              <a:t>SAS</a:t>
+            </a:r>
+            <a:r>
+              <a:rPr/>
+              <a:t> </a:t>
+            </a:r>
+            <a:r>
+              <a:rPr/>
+              <a:t>places</a:t>
+            </a:r>
+            <a:r>
+              <a:rPr/>
+              <a:t> </a:t>
+            </a:r>
+            <a:r>
+              <a:rPr/>
+              <a:t>its</a:t>
+            </a:r>
+            <a:r>
+              <a:rPr/>
+              <a:t> </a:t>
+            </a:r>
+            <a:r>
+              <a:rPr/>
+              <a:t>output</a:t>
+            </a:r>
+            <a:r>
+              <a:rPr/>
+              <a:t> </a:t>
+            </a:r>
+            <a:r>
+              <a:rPr/>
+              <a:t>in</a:t>
             </a:r>
             <a:r>
               <a:rPr/>
@@ -2408,95 +1845,175 @@
             </a:r>
             <a:r>
               <a:rPr/>
-              <a:t>output</a:t>
-            </a:r>
-            <a:r>
-              <a:rPr/>
-              <a:t> </a:t>
-            </a:r>
-            <a:r>
-              <a:rPr/>
-              <a:t>window</a:t>
-            </a:r>
-            <a:r>
-              <a:rPr/>
-              <a:t> </a:t>
-            </a:r>
-            <a:r>
-              <a:rPr/>
-              <a:t>looks</a:t>
-            </a:r>
-            <a:r>
-              <a:rPr/>
-              <a:t> </a:t>
-            </a:r>
-            <a:r>
-              <a:rPr/>
-              <a:t>like.</a:t>
-            </a:r>
-            <a:r>
-              <a:rPr/>
-              <a:t> </a:t>
-            </a:r>
-            <a:r>
-              <a:rPr/>
-              <a:t>Notice</a:t>
-            </a:r>
-            <a:r>
-              <a:rPr/>
-              <a:t> </a:t>
-            </a:r>
-            <a:r>
-              <a:rPr/>
-              <a:t>that</a:t>
-            </a:r>
-            <a:r>
-              <a:rPr/>
-              <a:t> </a:t>
-            </a:r>
-            <a:r>
-              <a:rPr/>
-              <a:t>SAS</a:t>
-            </a:r>
-            <a:r>
-              <a:rPr/>
-              <a:t> </a:t>
-            </a:r>
-            <a:r>
-              <a:rPr/>
-              <a:t>uses</a:t>
-            </a:r>
-            <a:r>
-              <a:rPr/>
-              <a:t> </a:t>
-            </a:r>
-            <a:r>
-              <a:rPr/>
-              <a:t>a</a:t>
-            </a:r>
-            <a:r>
-              <a:rPr/>
-              <a:t> </a:t>
-            </a:r>
-            <a:r>
-              <a:rPr/>
-              <a:t>monospaced</a:t>
-            </a:r>
-            <a:r>
-              <a:rPr/>
-              <a:t> </a:t>
-            </a:r>
-            <a:r>
-              <a:rPr/>
-              <a:t>font</a:t>
-            </a:r>
-            <a:r>
-              <a:rPr/>
-              <a:t> </a:t>
-            </a:r>
-            <a:r>
-              <a:rPr/>
-              <a:t>here.</a:t>
+              <a:t>results</a:t>
+            </a:r>
+            <a:r>
+              <a:rPr/>
+              <a:t> </a:t>
+            </a:r>
+            <a:r>
+              <a:rPr/>
+              <a:t>tab</a:t>
+            </a:r>
+            <a:r>
+              <a:rPr/>
+              <a:t> </a:t>
+            </a:r>
+            <a:r>
+              <a:rPr/>
+              <a:t>of</a:t>
+            </a:r>
+            <a:r>
+              <a:rPr/>
+              <a:t> </a:t>
+            </a:r>
+            <a:r>
+              <a:rPr/>
+              <a:t>the</a:t>
+            </a:r>
+            <a:r>
+              <a:rPr/>
+              <a:t> </a:t>
+            </a:r>
+            <a:r>
+              <a:rPr/>
+              <a:t>preferences</a:t>
+            </a:r>
+            <a:r>
+              <a:rPr/>
+              <a:t> </a:t>
+            </a:r>
+            <a:r>
+              <a:rPr/>
+              <a:t>dialog</a:t>
+            </a:r>
+            <a:r>
+              <a:rPr/>
+              <a:t> </a:t>
+            </a:r>
+            <a:r>
+              <a:rPr/>
+              <a:t>box.</a:t>
+            </a:r>
+            <a:r>
+              <a:rPr/>
+              <a:t> </a:t>
+            </a:r>
+            <a:r>
+              <a:rPr/>
+              <a:t>Select</a:t>
+            </a:r>
+            <a:r>
+              <a:rPr/>
+              <a:t> </a:t>
+            </a:r>
+            <a:r>
+              <a:rPr/>
+              <a:t>TOOLS</a:t>
+            </a:r>
+            <a:r>
+              <a:rPr/>
+              <a:t> </a:t>
+            </a:r>
+            <a:r>
+              <a:rPr/>
+              <a:t>|</a:t>
+            </a:r>
+            <a:r>
+              <a:rPr/>
+              <a:t> </a:t>
+            </a:r>
+            <a:r>
+              <a:rPr/>
+              <a:t>OPTIONS</a:t>
+            </a:r>
+            <a:r>
+              <a:rPr/>
+              <a:t> </a:t>
+            </a:r>
+            <a:r>
+              <a:rPr/>
+              <a:t>|</a:t>
+            </a:r>
+            <a:r>
+              <a:rPr/>
+              <a:t> </a:t>
+            </a:r>
+            <a:r>
+              <a:rPr/>
+              <a:t>PREFERENCES</a:t>
+            </a:r>
+            <a:r>
+              <a:rPr/>
+              <a:t> </a:t>
+            </a:r>
+            <a:r>
+              <a:rPr/>
+              <a:t>from</a:t>
+            </a:r>
+            <a:r>
+              <a:rPr/>
+              <a:t> </a:t>
+            </a:r>
+            <a:r>
+              <a:rPr/>
+              <a:t>the</a:t>
+            </a:r>
+            <a:r>
+              <a:rPr/>
+              <a:t> </a:t>
+            </a:r>
+            <a:r>
+              <a:rPr/>
+              <a:t>menu</a:t>
+            </a:r>
+            <a:r>
+              <a:rPr/>
+              <a:t> </a:t>
+            </a:r>
+            <a:r>
+              <a:rPr/>
+              <a:t>and</a:t>
+            </a:r>
+            <a:r>
+              <a:rPr/>
+              <a:t> </a:t>
+            </a:r>
+            <a:r>
+              <a:rPr/>
+              <a:t>click</a:t>
+            </a:r>
+            <a:r>
+              <a:rPr/>
+              <a:t> </a:t>
+            </a:r>
+            <a:r>
+              <a:rPr/>
+              <a:t>on</a:t>
+            </a:r>
+            <a:r>
+              <a:rPr/>
+              <a:t> </a:t>
+            </a:r>
+            <a:r>
+              <a:rPr/>
+              <a:t>the</a:t>
+            </a:r>
+            <a:r>
+              <a:rPr/>
+              <a:t> </a:t>
+            </a:r>
+            <a:r>
+              <a:rPr/>
+              <a:t>RESULTS</a:t>
+            </a:r>
+            <a:r>
+              <a:rPr/>
+              <a:t> </a:t>
+            </a:r>
+            <a:r>
+              <a:rPr/>
+              <a:t>tab.</a:t>
             </a:r>
           </a:p>
         </p:txBody>
@@ -2518,7 +2035,7 @@
           <a:p>
             <a:fld id="{18BDFEC3-8487-43E8-A154-7C12CBC1FFF2}" type="slidenum">
               <a:rPr lang="en-US"/>
-              <a:t>17</a:t>
+              <a:t>16</a:t>
             </a:fld>
             <a:endParaRPr lang="en-US"/>
           </a:p>
@@ -2578,15 +2095,15 @@
             </a:pPr>
             <a:r>
               <a:rPr/>
-              <a:t>Here’s</a:t>
-            </a:r>
-            <a:r>
-              <a:rPr/>
-              <a:t> </a:t>
-            </a:r>
-            <a:r>
-              <a:rPr/>
-              <a:t>what</a:t>
+              <a:t>Click</a:t>
+            </a:r>
+            <a:r>
+              <a:rPr/>
+              <a:t> </a:t>
+            </a:r>
+            <a:r>
+              <a:rPr/>
+              <a:t>on</a:t>
             </a:r>
             <a:r>
               <a:rPr/>
@@ -2602,6 +2119,206 @@
             </a:r>
             <a:r>
               <a:rPr/>
+              <a:t>CREATE</a:t>
+            </a:r>
+            <a:r>
+              <a:rPr/>
+              <a:t> </a:t>
+            </a:r>
+            <a:r>
+              <a:rPr/>
+              <a:t>LISTING</a:t>
+            </a:r>
+            <a:r>
+              <a:rPr/>
+              <a:t> </a:t>
+            </a:r>
+            <a:r>
+              <a:rPr/>
+              <a:t>option</a:t>
+            </a:r>
+            <a:r>
+              <a:rPr/>
+              <a:t> </a:t>
+            </a:r>
+            <a:r>
+              <a:rPr/>
+              <a:t>box</a:t>
+            </a:r>
+            <a:r>
+              <a:rPr/>
+              <a:t> </a:t>
+            </a:r>
+            <a:r>
+              <a:rPr/>
+              <a:t>to</a:t>
+            </a:r>
+            <a:r>
+              <a:rPr/>
+              <a:t> </a:t>
+            </a:r>
+            <a:r>
+              <a:rPr/>
+              <a:t>send</a:t>
+            </a:r>
+            <a:r>
+              <a:rPr/>
+              <a:t> </a:t>
+            </a:r>
+            <a:r>
+              <a:rPr/>
+              <a:t>the</a:t>
+            </a:r>
+            <a:r>
+              <a:rPr/>
+              <a:t> </a:t>
+            </a:r>
+            <a:r>
+              <a:rPr/>
+              <a:t>output</a:t>
+            </a:r>
+            <a:r>
+              <a:rPr/>
+              <a:t> </a:t>
+            </a:r>
+            <a:r>
+              <a:rPr/>
+              <a:t>to</a:t>
+            </a:r>
+            <a:r>
+              <a:rPr/>
+              <a:t> </a:t>
+            </a:r>
+            <a:r>
+              <a:rPr/>
+              <a:t>the</a:t>
+            </a:r>
+            <a:r>
+              <a:rPr/>
+              <a:t> </a:t>
+            </a:r>
+            <a:r>
+              <a:rPr/>
+              <a:t>output</a:t>
+            </a:r>
+            <a:r>
+              <a:rPr/>
+              <a:t> </a:t>
+            </a:r>
+            <a:r>
+              <a:rPr/>
+              <a:t>window.</a:t>
+            </a:r>
+            <a:r>
+              <a:rPr/>
+              <a:t> </a:t>
+            </a:r>
+            <a:r>
+              <a:rPr/>
+              <a:t>Click</a:t>
+            </a:r>
+            <a:r>
+              <a:rPr/>
+              <a:t> </a:t>
+            </a:r>
+            <a:r>
+              <a:rPr/>
+              <a:t>on</a:t>
+            </a:r>
+            <a:r>
+              <a:rPr/>
+              <a:t> </a:t>
+            </a:r>
+            <a:r>
+              <a:rPr/>
+              <a:t>the</a:t>
+            </a:r>
+            <a:r>
+              <a:rPr/>
+              <a:t> </a:t>
+            </a:r>
+            <a:r>
+              <a:rPr/>
+              <a:t>CREATE</a:t>
+            </a:r>
+            <a:r>
+              <a:rPr/>
+              <a:t> </a:t>
+            </a:r>
+            <a:r>
+              <a:rPr/>
+              <a:t>HTML</a:t>
+            </a:r>
+            <a:r>
+              <a:rPr/>
+              <a:t> </a:t>
+            </a:r>
+            <a:r>
+              <a:rPr/>
+              <a:t>option</a:t>
+            </a:r>
+            <a:r>
+              <a:rPr/>
+              <a:t> </a:t>
+            </a:r>
+            <a:r>
+              <a:rPr/>
+              <a:t>box</a:t>
+            </a:r>
+            <a:r>
+              <a:rPr/>
+              <a:t> </a:t>
+            </a:r>
+            <a:r>
+              <a:rPr/>
+              <a:t>to</a:t>
+            </a:r>
+            <a:r>
+              <a:rPr/>
+              <a:t> </a:t>
+            </a:r>
+            <a:r>
+              <a:rPr/>
+              <a:t>send</a:t>
+            </a:r>
+            <a:r>
+              <a:rPr/>
+              <a:t> </a:t>
+            </a:r>
+            <a:r>
+              <a:rPr/>
+              <a:t>the</a:t>
+            </a:r>
+            <a:r>
+              <a:rPr/>
+              <a:t> </a:t>
+            </a:r>
+            <a:r>
+              <a:rPr/>
+              <a:t>output</a:t>
+            </a:r>
+            <a:r>
+              <a:rPr/>
+              <a:t> </a:t>
+            </a:r>
+            <a:r>
+              <a:rPr/>
+              <a:t>to</a:t>
+            </a:r>
+            <a:r>
+              <a:rPr/>
+              <a:t> </a:t>
+            </a:r>
+            <a:r>
+              <a:rPr/>
+              <a:t>an</a:t>
+            </a:r>
+            <a:r>
+              <a:rPr/>
+              <a:t> </a:t>
+            </a:r>
+            <a:r>
+              <a:rPr/>
               <a:t>html</a:t>
             </a:r>
             <a:r>
@@ -2610,79 +2327,119 @@
             </a:r>
             <a:r>
               <a:rPr/>
-              <a:t>output</a:t>
-            </a:r>
-            <a:r>
-              <a:rPr/>
-              <a:t> </a:t>
-            </a:r>
-            <a:r>
-              <a:rPr/>
-              <a:t>looks</a:t>
-            </a:r>
-            <a:r>
-              <a:rPr/>
-              <a:t> </a:t>
-            </a:r>
-            <a:r>
-              <a:rPr/>
-              <a:t>like.</a:t>
-            </a:r>
-            <a:r>
-              <a:rPr/>
-              <a:t> </a:t>
-            </a:r>
-            <a:r>
-              <a:rPr/>
-              <a:t>Notice</a:t>
-            </a:r>
-            <a:r>
-              <a:rPr/>
-              <a:t> </a:t>
-            </a:r>
-            <a:r>
-              <a:rPr/>
-              <a:t>variety</a:t>
-            </a:r>
-            <a:r>
-              <a:rPr/>
-              <a:t> </a:t>
-            </a:r>
-            <a:r>
-              <a:rPr/>
-              <a:t>of</a:t>
-            </a:r>
-            <a:r>
-              <a:rPr/>
-              <a:t> </a:t>
-            </a:r>
-            <a:r>
-              <a:rPr/>
-              <a:t>font</a:t>
-            </a:r>
-            <a:r>
-              <a:rPr/>
-              <a:t> </a:t>
-            </a:r>
-            <a:r>
-              <a:rPr/>
-              <a:t>sizes</a:t>
-            </a:r>
-            <a:r>
-              <a:rPr/>
-              <a:t> </a:t>
-            </a:r>
-            <a:r>
-              <a:rPr/>
-              <a:t>and</a:t>
-            </a:r>
-            <a:r>
-              <a:rPr/>
-              <a:t> </a:t>
-            </a:r>
-            <a:r>
-              <a:rPr/>
-              <a:t>colors.</a:t>
+              <a:t>file.</a:t>
+            </a:r>
+            <a:r>
+              <a:rPr/>
+              <a:t> </a:t>
+            </a:r>
+            <a:r>
+              <a:rPr/>
+              <a:t>Click</a:t>
+            </a:r>
+            <a:r>
+              <a:rPr/>
+              <a:t> </a:t>
+            </a:r>
+            <a:r>
+              <a:rPr/>
+              <a:t>on</a:t>
+            </a:r>
+            <a:r>
+              <a:rPr/>
+              <a:t> </a:t>
+            </a:r>
+            <a:r>
+              <a:rPr/>
+              <a:t>the</a:t>
+            </a:r>
+            <a:r>
+              <a:rPr/>
+              <a:t> </a:t>
+            </a:r>
+            <a:r>
+              <a:rPr/>
+              <a:t>BROWSE</a:t>
+            </a:r>
+            <a:r>
+              <a:rPr/>
+              <a:t> </a:t>
+            </a:r>
+            <a:r>
+              <a:rPr/>
+              <a:t>button</a:t>
+            </a:r>
+            <a:r>
+              <a:rPr/>
+              <a:t> </a:t>
+            </a:r>
+            <a:r>
+              <a:rPr/>
+              <a:t>to</a:t>
+            </a:r>
+            <a:r>
+              <a:rPr/>
+              <a:t> </a:t>
+            </a:r>
+            <a:r>
+              <a:rPr/>
+              <a:t>select</a:t>
+            </a:r>
+            <a:r>
+              <a:rPr/>
+              <a:t> </a:t>
+            </a:r>
+            <a:r>
+              <a:rPr/>
+              <a:t>a</a:t>
+            </a:r>
+            <a:r>
+              <a:rPr/>
+              <a:t> </a:t>
+            </a:r>
+            <a:r>
+              <a:rPr/>
+              <a:t>default</a:t>
+            </a:r>
+            <a:r>
+              <a:rPr/>
+              <a:t> </a:t>
+            </a:r>
+            <a:r>
+              <a:rPr/>
+              <a:t>folder</a:t>
+            </a:r>
+            <a:r>
+              <a:rPr/>
+              <a:t> </a:t>
+            </a:r>
+            <a:r>
+              <a:rPr/>
+              <a:t>for</a:t>
+            </a:r>
+            <a:r>
+              <a:rPr/>
+              <a:t> </a:t>
+            </a:r>
+            <a:r>
+              <a:rPr/>
+              <a:t>your</a:t>
+            </a:r>
+            <a:r>
+              <a:rPr/>
+              <a:t> </a:t>
+            </a:r>
+            <a:r>
+              <a:rPr/>
+              <a:t>html</a:t>
+            </a:r>
+            <a:r>
+              <a:rPr/>
+              <a:t> </a:t>
+            </a:r>
+            <a:r>
+              <a:rPr/>
+              <a:t>file.</a:t>
             </a:r>
           </a:p>
         </p:txBody>
@@ -2704,7 +2461,7 @@
           <a:p>
             <a:fld id="{18BDFEC3-8487-43E8-A154-7C12CBC1FFF2}" type="slidenum">
               <a:rPr lang="en-US"/>
-              <a:t>18</a:t>
+              <a:t>17</a:t>
             </a:fld>
             <a:endParaRPr lang="en-US"/>
           </a:p>
@@ -2764,23 +2521,87 @@
             </a:pPr>
             <a:r>
               <a:rPr/>
-              <a:t>You</a:t>
-            </a:r>
-            <a:r>
-              <a:rPr/>
-              <a:t> </a:t>
-            </a:r>
-            <a:r>
-              <a:rPr/>
-              <a:t>will</a:t>
-            </a:r>
-            <a:r>
-              <a:rPr/>
-              <a:t> </a:t>
-            </a:r>
-            <a:r>
-              <a:rPr/>
-              <a:t>notice</a:t>
+              <a:t>Here’s</a:t>
+            </a:r>
+            <a:r>
+              <a:rPr/>
+              <a:t> </a:t>
+            </a:r>
+            <a:r>
+              <a:rPr/>
+              <a:t>what</a:t>
+            </a:r>
+            <a:r>
+              <a:rPr/>
+              <a:t> </a:t>
+            </a:r>
+            <a:r>
+              <a:rPr/>
+              <a:t>the</a:t>
+            </a:r>
+            <a:r>
+              <a:rPr/>
+              <a:t> </a:t>
+            </a:r>
+            <a:r>
+              <a:rPr/>
+              <a:t>output</a:t>
+            </a:r>
+            <a:r>
+              <a:rPr/>
+              <a:t> </a:t>
+            </a:r>
+            <a:r>
+              <a:rPr/>
+              <a:t>window</a:t>
+            </a:r>
+            <a:r>
+              <a:rPr/>
+              <a:t> </a:t>
+            </a:r>
+            <a:r>
+              <a:rPr/>
+              <a:t>looks</a:t>
+            </a:r>
+            <a:r>
+              <a:rPr/>
+              <a:t> </a:t>
+            </a:r>
+            <a:r>
+              <a:rPr/>
+              <a:t>like.</a:t>
+            </a:r>
+            <a:r>
+              <a:rPr/>
+              <a:t> </a:t>
+            </a:r>
+            <a:r>
+              <a:rPr/>
+              <a:t>Notice</a:t>
+            </a:r>
+            <a:r>
+              <a:rPr/>
+              <a:t> </a:t>
+            </a:r>
+            <a:r>
+              <a:rPr/>
+              <a:t>that</a:t>
+            </a:r>
+            <a:r>
+              <a:rPr/>
+              <a:t> </a:t>
+            </a:r>
+            <a:r>
+              <a:rPr/>
+              <a:t>SAS</a:t>
+            </a:r>
+            <a:r>
+              <a:rPr/>
+              <a:t> </a:t>
+            </a:r>
+            <a:r>
+              <a:rPr/>
+              <a:t>uses</a:t>
             </a:r>
             <a:r>
               <a:rPr/>
@@ -2796,87 +2617,23 @@
             </a:r>
             <a:r>
               <a:rPr/>
-              <a:t>slightly</a:t>
-            </a:r>
-            <a:r>
-              <a:rPr/>
-              <a:t> </a:t>
-            </a:r>
-            <a:r>
-              <a:rPr/>
-              <a:t>different</a:t>
-            </a:r>
-            <a:r>
-              <a:rPr/>
-              <a:t> </a:t>
-            </a:r>
-            <a:r>
-              <a:rPr/>
-              <a:t>appearance</a:t>
-            </a:r>
-            <a:r>
-              <a:rPr/>
-              <a:t> </a:t>
-            </a:r>
-            <a:r>
-              <a:rPr/>
-              <a:t>with</a:t>
-            </a:r>
-            <a:r>
-              <a:rPr/>
-              <a:t> </a:t>
-            </a:r>
-            <a:r>
-              <a:rPr/>
-              <a:t>SAS</a:t>
-            </a:r>
-            <a:r>
-              <a:rPr/>
-              <a:t> </a:t>
-            </a:r>
-            <a:r>
-              <a:rPr/>
-              <a:t>University.</a:t>
-            </a:r>
-            <a:r>
-              <a:rPr/>
-              <a:t> </a:t>
-            </a:r>
-            <a:r>
-              <a:rPr/>
-              <a:t>Here</a:t>
-            </a:r>
-            <a:r>
-              <a:rPr/>
-              <a:t> </a:t>
-            </a:r>
-            <a:r>
-              <a:rPr/>
-              <a:t>is</a:t>
-            </a:r>
-            <a:r>
-              <a:rPr/>
-              <a:t> </a:t>
-            </a:r>
-            <a:r>
-              <a:rPr/>
-              <a:t>the</a:t>
-            </a:r>
-            <a:r>
-              <a:rPr/>
-              <a:t> </a:t>
-            </a:r>
-            <a:r>
-              <a:rPr/>
-              <a:t>program</a:t>
-            </a:r>
-            <a:r>
-              <a:rPr/>
-              <a:t> </a:t>
-            </a:r>
-            <a:r>
-              <a:rPr/>
-              <a:t>window.</a:t>
+              <a:t>monospaced</a:t>
+            </a:r>
+            <a:r>
+              <a:rPr/>
+              <a:t> </a:t>
+            </a:r>
+            <a:r>
+              <a:rPr/>
+              <a:t>font</a:t>
+            </a:r>
+            <a:r>
+              <a:rPr/>
+              <a:t> </a:t>
+            </a:r>
+            <a:r>
+              <a:rPr/>
+              <a:t>here.</a:t>
             </a:r>
           </a:p>
         </p:txBody>
@@ -2898,7 +2655,7 @@
           <a:p>
             <a:fld id="{18BDFEC3-8487-43E8-A154-7C12CBC1FFF2}" type="slidenum">
               <a:rPr lang="en-US"/>
-              <a:t>19</a:t>
+              <a:t>18</a:t>
             </a:fld>
             <a:endParaRPr lang="en-US"/>
           </a:p>
@@ -2958,15 +2715,15 @@
             </a:pPr>
             <a:r>
               <a:rPr/>
-              <a:t>Here</a:t>
-            </a:r>
-            <a:r>
-              <a:rPr/>
-              <a:t> </a:t>
-            </a:r>
-            <a:r>
-              <a:rPr/>
-              <a:t>is</a:t>
+              <a:t>Here’s</a:t>
+            </a:r>
+            <a:r>
+              <a:rPr/>
+              <a:t> </a:t>
+            </a:r>
+            <a:r>
+              <a:rPr/>
+              <a:t>what</a:t>
             </a:r>
             <a:r>
               <a:rPr/>
@@ -2982,71 +2739,39 @@
             </a:r>
             <a:r>
               <a:rPr/>
-              <a:t>results</a:t>
-            </a:r>
-            <a:r>
-              <a:rPr/>
-              <a:t> </a:t>
-            </a:r>
-            <a:r>
-              <a:rPr/>
-              <a:t>window.</a:t>
-            </a:r>
-            <a:r>
-              <a:rPr/>
-              <a:t> </a:t>
-            </a:r>
-            <a:r>
-              <a:rPr/>
-              <a:t>The</a:t>
-            </a:r>
-            <a:r>
-              <a:rPr/>
-              <a:t> </a:t>
-            </a:r>
-            <a:r>
-              <a:rPr/>
-              <a:t>icons</a:t>
-            </a:r>
-            <a:r>
-              <a:rPr/>
-              <a:t> </a:t>
-            </a:r>
-            <a:r>
-              <a:rPr/>
-              <a:t>near</a:t>
-            </a:r>
-            <a:r>
-              <a:rPr/>
-              <a:t> </a:t>
-            </a:r>
-            <a:r>
-              <a:rPr/>
-              <a:t>the</a:t>
-            </a:r>
-            <a:r>
-              <a:rPr/>
-              <a:t> </a:t>
-            </a:r>
-            <a:r>
-              <a:rPr/>
-              <a:t>top</a:t>
-            </a:r>
-            <a:r>
-              <a:rPr/>
-              <a:t> </a:t>
-            </a:r>
-            <a:r>
-              <a:rPr/>
-              <a:t>offer</a:t>
-            </a:r>
-            <a:r>
-              <a:rPr/>
-              <a:t> </a:t>
-            </a:r>
-            <a:r>
-              <a:rPr/>
-              <a:t>a</a:t>
+              <a:t>html</a:t>
+            </a:r>
+            <a:r>
+              <a:rPr/>
+              <a:t> </a:t>
+            </a:r>
+            <a:r>
+              <a:rPr/>
+              <a:t>output</a:t>
+            </a:r>
+            <a:r>
+              <a:rPr/>
+              <a:t> </a:t>
+            </a:r>
+            <a:r>
+              <a:rPr/>
+              <a:t>looks</a:t>
+            </a:r>
+            <a:r>
+              <a:rPr/>
+              <a:t> </a:t>
+            </a:r>
+            <a:r>
+              <a:rPr/>
+              <a:t>like.</a:t>
+            </a:r>
+            <a:r>
+              <a:rPr/>
+              <a:t> </a:t>
+            </a:r>
+            <a:r>
+              <a:rPr/>
+              <a:t>Notice</a:t>
             </a:r>
             <a:r>
               <a:rPr/>
@@ -3070,39 +2795,31 @@
             </a:r>
             <a:r>
               <a:rPr/>
-              <a:t>export</a:t>
-            </a:r>
-            <a:r>
-              <a:rPr/>
-              <a:t> </a:t>
-            </a:r>
-            <a:r>
-              <a:rPr/>
-              <a:t>options,</a:t>
-            </a:r>
-            <a:r>
-              <a:rPr/>
-              <a:t> </a:t>
-            </a:r>
-            <a:r>
-              <a:rPr/>
-              <a:t>among</a:t>
-            </a:r>
-            <a:r>
-              <a:rPr/>
-              <a:t> </a:t>
-            </a:r>
-            <a:r>
-              <a:rPr/>
-              <a:t>other</a:t>
-            </a:r>
-            <a:r>
-              <a:rPr/>
-              <a:t> </a:t>
-            </a:r>
-            <a:r>
-              <a:rPr/>
-              <a:t>things.</a:t>
+              <a:t>font</a:t>
+            </a:r>
+            <a:r>
+              <a:rPr/>
+              <a:t> </a:t>
+            </a:r>
+            <a:r>
+              <a:rPr/>
+              <a:t>sizes</a:t>
+            </a:r>
+            <a:r>
+              <a:rPr/>
+              <a:t> </a:t>
+            </a:r>
+            <a:r>
+              <a:rPr/>
+              <a:t>and</a:t>
+            </a:r>
+            <a:r>
+              <a:rPr/>
+              <a:t> </a:t>
+            </a:r>
+            <a:r>
+              <a:rPr/>
+              <a:t>colors.</a:t>
             </a:r>
           </a:p>
         </p:txBody>
@@ -3124,7 +2841,427 @@
           <a:p>
             <a:fld id="{18BDFEC3-8487-43E8-A154-7C12CBC1FFF2}" type="slidenum">
               <a:rPr lang="en-US"/>
-              <a:t>22</a:t>
+              <a:t>19</a:t>
+            </a:fld>
+            <a:endParaRPr lang="en-US"/>
+          </a:p>
+        </p:txBody>
+      </p:sp>
+    </p:spTree>
+  </p:cSld>
+</p:notes>
+</file>
+
+<file path=ppt/notesSlides/notesSlide18.xml><?xml version="1.0" encoding="utf-8"?>
+<p:notes xmlns:a="http://schemas.openxmlformats.org/drawingml/2006/main" xmlns:r="http://schemas.openxmlformats.org/officeDocument/2006/relationships" xmlns:p="http://schemas.openxmlformats.org/presentationml/2006/main">
+  <p:cSld>
+    <p:spTree>
+      <p:nvGrpSpPr>
+        <p:cNvPr id="1" name=""/>
+        <p:cNvGrpSpPr/>
+        <p:nvPr/>
+      </p:nvGrpSpPr>
+      <p:grpSpPr>
+        <a:xfrm>
+          <a:off x="0" y="0"/>
+          <a:ext cx="0" cy="0"/>
+          <a:chOff x="0" y="0"/>
+          <a:chExt cx="0" cy="0"/>
+        </a:xfrm>
+      </p:grpSpPr>
+      <p:sp>
+        <p:nvSpPr>
+          <p:cNvPr id="2" name="Slide Image Placeholder 1"/>
+          <p:cNvSpPr>
+            <a:spLocks noGrp="1" noRot="1" noChangeAspect="1"/>
+          </p:cNvSpPr>
+          <p:nvPr>
+            <p:ph type="sldImg"/>
+          </p:nvPr>
+        </p:nvSpPr>
+        <p:spPr/>
+      </p:sp>
+      <p:sp>
+        <p:nvSpPr>
+          <p:cNvPr id="3" name="Notes Placeholder 2"/>
+          <p:cNvSpPr>
+            <a:spLocks noGrp="1"/>
+          </p:cNvSpPr>
+          <p:nvPr>
+            <p:ph type="body" idx="1"/>
+          </p:nvPr>
+        </p:nvSpPr>
+        <p:spPr/>
+        <p:txBody>
+          <a:bodyPr/>
+          <a:lstStyle/>
+          <a:p>
+            <a:pPr lvl="0" marL="0" indent="0">
+              <a:buNone/>
+            </a:pPr>
+            <a:r>
+              <a:rPr/>
+              <a:t>You</a:t>
+            </a:r>
+            <a:r>
+              <a:rPr/>
+              <a:t> </a:t>
+            </a:r>
+            <a:r>
+              <a:rPr/>
+              <a:t>will</a:t>
+            </a:r>
+            <a:r>
+              <a:rPr/>
+              <a:t> </a:t>
+            </a:r>
+            <a:r>
+              <a:rPr/>
+              <a:t>notice</a:t>
+            </a:r>
+            <a:r>
+              <a:rPr/>
+              <a:t> </a:t>
+            </a:r>
+            <a:r>
+              <a:rPr/>
+              <a:t>a</a:t>
+            </a:r>
+            <a:r>
+              <a:rPr/>
+              <a:t> </a:t>
+            </a:r>
+            <a:r>
+              <a:rPr/>
+              <a:t>slightly</a:t>
+            </a:r>
+            <a:r>
+              <a:rPr/>
+              <a:t> </a:t>
+            </a:r>
+            <a:r>
+              <a:rPr/>
+              <a:t>different</a:t>
+            </a:r>
+            <a:r>
+              <a:rPr/>
+              <a:t> </a:t>
+            </a:r>
+            <a:r>
+              <a:rPr/>
+              <a:t>appearance</a:t>
+            </a:r>
+            <a:r>
+              <a:rPr/>
+              <a:t> </a:t>
+            </a:r>
+            <a:r>
+              <a:rPr/>
+              <a:t>with</a:t>
+            </a:r>
+            <a:r>
+              <a:rPr/>
+              <a:t> </a:t>
+            </a:r>
+            <a:r>
+              <a:rPr/>
+              <a:t>SAS</a:t>
+            </a:r>
+            <a:r>
+              <a:rPr/>
+              <a:t> </a:t>
+            </a:r>
+            <a:r>
+              <a:rPr/>
+              <a:t>University.</a:t>
+            </a:r>
+            <a:r>
+              <a:rPr/>
+              <a:t> </a:t>
+            </a:r>
+            <a:r>
+              <a:rPr/>
+              <a:t>Here</a:t>
+            </a:r>
+            <a:r>
+              <a:rPr/>
+              <a:t> </a:t>
+            </a:r>
+            <a:r>
+              <a:rPr/>
+              <a:t>is</a:t>
+            </a:r>
+            <a:r>
+              <a:rPr/>
+              <a:t> </a:t>
+            </a:r>
+            <a:r>
+              <a:rPr/>
+              <a:t>the</a:t>
+            </a:r>
+            <a:r>
+              <a:rPr/>
+              <a:t> </a:t>
+            </a:r>
+            <a:r>
+              <a:rPr/>
+              <a:t>program</a:t>
+            </a:r>
+            <a:r>
+              <a:rPr/>
+              <a:t> </a:t>
+            </a:r>
+            <a:r>
+              <a:rPr/>
+              <a:t>window.</a:t>
+            </a:r>
+          </a:p>
+        </p:txBody>
+      </p:sp>
+      <p:sp>
+        <p:nvSpPr>
+          <p:cNvPr id="4" name="Slide Number Placeholder 3"/>
+          <p:cNvSpPr>
+            <a:spLocks noGrp="1"/>
+          </p:cNvSpPr>
+          <p:nvPr>
+            <p:ph type="sldNum" sz="quarter" idx="10"/>
+          </p:nvPr>
+        </p:nvSpPr>
+        <p:spPr/>
+        <p:txBody>
+          <a:bodyPr/>
+          <a:lstStyle/>
+          <a:p>
+            <a:fld id="{18BDFEC3-8487-43E8-A154-7C12CBC1FFF2}" type="slidenum">
+              <a:rPr lang="en-US"/>
+              <a:t>20</a:t>
+            </a:fld>
+            <a:endParaRPr lang="en-US"/>
+          </a:p>
+        </p:txBody>
+      </p:sp>
+    </p:spTree>
+  </p:cSld>
+</p:notes>
+</file>
+
+<file path=ppt/notesSlides/notesSlide19.xml><?xml version="1.0" encoding="utf-8"?>
+<p:notes xmlns:a="http://schemas.openxmlformats.org/drawingml/2006/main" xmlns:r="http://schemas.openxmlformats.org/officeDocument/2006/relationships" xmlns:p="http://schemas.openxmlformats.org/presentationml/2006/main">
+  <p:cSld>
+    <p:spTree>
+      <p:nvGrpSpPr>
+        <p:cNvPr id="1" name=""/>
+        <p:cNvGrpSpPr/>
+        <p:nvPr/>
+      </p:nvGrpSpPr>
+      <p:grpSpPr>
+        <a:xfrm>
+          <a:off x="0" y="0"/>
+          <a:ext cx="0" cy="0"/>
+          <a:chOff x="0" y="0"/>
+          <a:chExt cx="0" cy="0"/>
+        </a:xfrm>
+      </p:grpSpPr>
+      <p:sp>
+        <p:nvSpPr>
+          <p:cNvPr id="2" name="Slide Image Placeholder 1"/>
+          <p:cNvSpPr>
+            <a:spLocks noGrp="1" noRot="1" noChangeAspect="1"/>
+          </p:cNvSpPr>
+          <p:nvPr>
+            <p:ph type="sldImg"/>
+          </p:nvPr>
+        </p:nvSpPr>
+        <p:spPr/>
+      </p:sp>
+      <p:sp>
+        <p:nvSpPr>
+          <p:cNvPr id="3" name="Notes Placeholder 2"/>
+          <p:cNvSpPr>
+            <a:spLocks noGrp="1"/>
+          </p:cNvSpPr>
+          <p:nvPr>
+            <p:ph type="body" idx="1"/>
+          </p:nvPr>
+        </p:nvSpPr>
+        <p:spPr/>
+        <p:txBody>
+          <a:bodyPr/>
+          <a:lstStyle/>
+          <a:p>
+            <a:pPr lvl="0" marL="0" indent="0">
+              <a:buNone/>
+            </a:pPr>
+            <a:r>
+              <a:rPr/>
+              <a:t>Here</a:t>
+            </a:r>
+            <a:r>
+              <a:rPr/>
+              <a:t> </a:t>
+            </a:r>
+            <a:r>
+              <a:rPr/>
+              <a:t>is</a:t>
+            </a:r>
+            <a:r>
+              <a:rPr/>
+              <a:t> </a:t>
+            </a:r>
+            <a:r>
+              <a:rPr/>
+              <a:t>the</a:t>
+            </a:r>
+            <a:r>
+              <a:rPr/>
+              <a:t> </a:t>
+            </a:r>
+            <a:r>
+              <a:rPr/>
+              <a:t>results</a:t>
+            </a:r>
+            <a:r>
+              <a:rPr/>
+              <a:t> </a:t>
+            </a:r>
+            <a:r>
+              <a:rPr/>
+              <a:t>window.</a:t>
+            </a:r>
+            <a:r>
+              <a:rPr/>
+              <a:t> </a:t>
+            </a:r>
+            <a:r>
+              <a:rPr/>
+              <a:t>The</a:t>
+            </a:r>
+            <a:r>
+              <a:rPr/>
+              <a:t> </a:t>
+            </a:r>
+            <a:r>
+              <a:rPr/>
+              <a:t>icons</a:t>
+            </a:r>
+            <a:r>
+              <a:rPr/>
+              <a:t> </a:t>
+            </a:r>
+            <a:r>
+              <a:rPr/>
+              <a:t>near</a:t>
+            </a:r>
+            <a:r>
+              <a:rPr/>
+              <a:t> </a:t>
+            </a:r>
+            <a:r>
+              <a:rPr/>
+              <a:t>the</a:t>
+            </a:r>
+            <a:r>
+              <a:rPr/>
+              <a:t> </a:t>
+            </a:r>
+            <a:r>
+              <a:rPr/>
+              <a:t>top</a:t>
+            </a:r>
+            <a:r>
+              <a:rPr/>
+              <a:t> </a:t>
+            </a:r>
+            <a:r>
+              <a:rPr/>
+              <a:t>offer</a:t>
+            </a:r>
+            <a:r>
+              <a:rPr/>
+              <a:t> </a:t>
+            </a:r>
+            <a:r>
+              <a:rPr/>
+              <a:t>a</a:t>
+            </a:r>
+            <a:r>
+              <a:rPr/>
+              <a:t> </a:t>
+            </a:r>
+            <a:r>
+              <a:rPr/>
+              <a:t>variety</a:t>
+            </a:r>
+            <a:r>
+              <a:rPr/>
+              <a:t> </a:t>
+            </a:r>
+            <a:r>
+              <a:rPr/>
+              <a:t>of</a:t>
+            </a:r>
+            <a:r>
+              <a:rPr/>
+              <a:t> </a:t>
+            </a:r>
+            <a:r>
+              <a:rPr/>
+              <a:t>export</a:t>
+            </a:r>
+            <a:r>
+              <a:rPr/>
+              <a:t> </a:t>
+            </a:r>
+            <a:r>
+              <a:rPr/>
+              <a:t>options,</a:t>
+            </a:r>
+            <a:r>
+              <a:rPr/>
+              <a:t> </a:t>
+            </a:r>
+            <a:r>
+              <a:rPr/>
+              <a:t>among</a:t>
+            </a:r>
+            <a:r>
+              <a:rPr/>
+              <a:t> </a:t>
+            </a:r>
+            <a:r>
+              <a:rPr/>
+              <a:t>other</a:t>
+            </a:r>
+            <a:r>
+              <a:rPr/>
+              <a:t> </a:t>
+            </a:r>
+            <a:r>
+              <a:rPr/>
+              <a:t>things.</a:t>
+            </a:r>
+          </a:p>
+        </p:txBody>
+      </p:sp>
+      <p:sp>
+        <p:nvSpPr>
+          <p:cNvPr id="4" name="Slide Number Placeholder 3"/>
+          <p:cNvSpPr>
+            <a:spLocks noGrp="1"/>
+          </p:cNvSpPr>
+          <p:nvPr>
+            <p:ph type="sldNum" sz="quarter" idx="10"/>
+          </p:nvPr>
+        </p:nvSpPr>
+        <p:spPr/>
+        <p:txBody>
+          <a:bodyPr/>
+          <a:lstStyle/>
+          <a:p>
+            <a:fld id="{18BDFEC3-8487-43E8-A154-7C12CBC1FFF2}" type="slidenum">
+              <a:rPr lang="en-US"/>
+              <a:t>23</a:t>
             </a:fld>
             <a:endParaRPr lang="en-US"/>
           </a:p>
@@ -3346,7 +3483,7 @@
           <a:p>
             <a:fld id="{18BDFEC3-8487-43E8-A154-7C12CBC1FFF2}" type="slidenum">
               <a:rPr lang="en-US"/>
-              <a:t>5</a:t>
+              <a:t>4</a:t>
             </a:fld>
             <a:endParaRPr lang="en-US"/>
           </a:p>
@@ -3708,7 +3845,7 @@
           <a:p>
             <a:fld id="{18BDFEC3-8487-43E8-A154-7C12CBC1FFF2}" type="slidenum">
               <a:rPr lang="en-US"/>
-              <a:t>6</a:t>
+              <a:t>5</a:t>
             </a:fld>
             <a:endParaRPr lang="en-US"/>
           </a:p>
@@ -4106,7 +4243,7 @@
           <a:p>
             <a:fld id="{18BDFEC3-8487-43E8-A154-7C12CBC1FFF2}" type="slidenum">
               <a:rPr lang="en-US"/>
-              <a:t>7</a:t>
+              <a:t>6</a:t>
             </a:fld>
             <a:endParaRPr lang="en-US"/>
           </a:p>
@@ -4504,7 +4641,7 @@
           <a:p>
             <a:fld id="{18BDFEC3-8487-43E8-A154-7C12CBC1FFF2}" type="slidenum">
               <a:rPr lang="en-US"/>
-              <a:t>8</a:t>
+              <a:t>7</a:t>
             </a:fld>
             <a:endParaRPr lang="en-US"/>
           </a:p>
@@ -4970,7 +5107,7 @@
           <a:p>
             <a:fld id="{18BDFEC3-8487-43E8-A154-7C12CBC1FFF2}" type="slidenum">
               <a:rPr lang="en-US"/>
-              <a:t>9</a:t>
+              <a:t>8</a:t>
             </a:fld>
             <a:endParaRPr lang="en-US"/>
           </a:p>
@@ -5340,7 +5477,7 @@
           <a:p>
             <a:fld id="{18BDFEC3-8487-43E8-A154-7C12CBC1FFF2}" type="slidenum">
               <a:rPr lang="en-US"/>
-              <a:t>10</a:t>
+              <a:t>9</a:t>
             </a:fld>
             <a:endParaRPr lang="en-US"/>
           </a:p>
@@ -5590,7 +5727,7 @@
           <a:p>
             <a:fld id="{18BDFEC3-8487-43E8-A154-7C12CBC1FFF2}" type="slidenum">
               <a:rPr lang="en-US"/>
-              <a:t>11</a:t>
+              <a:t>10</a:t>
             </a:fld>
             <a:endParaRPr lang="en-US"/>
           </a:p>
@@ -5800,7 +5937,7 @@
           <a:p>
             <a:fld id="{18BDFEC3-8487-43E8-A154-7C12CBC1FFF2}" type="slidenum">
               <a:rPr lang="en-US"/>
-              <a:t>12</a:t>
+              <a:t>11</a:t>
             </a:fld>
             <a:endParaRPr lang="en-US"/>
           </a:p>
@@ -8901,7 +9038,7 @@
       </p:grpSpPr>
       <p:pic>
         <p:nvPicPr>
-          <p:cNvPr descr="../images/program-editor.png" id="0" name="Picture 1"/>
+          <p:cNvPr descr="../images/test-program1.png" id="0" name="Picture 1"/>
           <p:cNvPicPr>
             <a:picLocks noGrp="1" noChangeAspect="1"/>
           </p:cNvPicPr>
@@ -8951,66 +9088,14 @@
           <a:chExt cx="0" cy="0"/>
         </a:xfrm>
       </p:grpSpPr>
-      <p:pic>
-        <p:nvPicPr>
-          <p:cNvPr descr="../images/test-program1.png" id="0" name="Picture 1"/>
-          <p:cNvPicPr>
-            <a:picLocks noGrp="1" noChangeAspect="1"/>
-          </p:cNvPicPr>
-          <p:nvPr/>
-        </p:nvPicPr>
-        <p:blipFill>
-          <a:blip r:embed="rId3"/>
-          <a:stretch>
-            <a:fillRect/>
-          </a:stretch>
-        </p:blipFill>
-        <p:spPr bwMode="auto">
-          <a:xfrm>
-            <a:off x="1333500" y="1600200"/>
-            <a:ext cx="6477000" cy="4521200"/>
-          </a:xfrm>
-          <a:prstGeom prst="rect">
-            <a:avLst/>
-          </a:prstGeom>
-          <a:noFill/>
-          <a:ln w="9525">
-            <a:noFill/>
-            <a:headEnd/>
-            <a:tailEnd/>
-          </a:ln>
-        </p:spPr>
-      </p:pic>
-    </p:spTree>
-  </p:cSld>
-</p:sld>
-</file>
-
-<file path=ppt/slides/slide12.xml><?xml version="1.0" encoding="utf-8"?>
-<p:sld xmlns:a="http://schemas.openxmlformats.org/drawingml/2006/main" xmlns:r="http://schemas.openxmlformats.org/officeDocument/2006/relationships" xmlns:p="http://schemas.openxmlformats.org/presentationml/2006/main">
-  <p:cSld>
-    <p:spTree>
-      <p:nvGrpSpPr>
-        <p:cNvPr id="1" name=""/>
-        <p:cNvGrpSpPr/>
-        <p:nvPr/>
-      </p:nvGrpSpPr>
-      <p:grpSpPr>
-        <a:xfrm>
-          <a:off x="0" y="0"/>
-          <a:ext cx="0" cy="0"/>
-          <a:chOff x="0" y="0"/>
-          <a:chExt cx="0" cy="0"/>
-        </a:xfrm>
-      </p:grpSpPr>
-      <p:sp>
-        <p:nvSpPr>
-          <p:cNvPr id="3" name="Content Placeholder 2"/>
-          <p:cNvSpPr>
-            <a:spLocks noGrp="1"/>
-          </p:cNvSpPr>
-          <p:nvPr>
-            <p:ph idx="1"/>
+      <p:sp>
+        <p:nvSpPr>
+          <p:cNvPr id="2" name="Title 1"/>
+          <p:cNvSpPr>
+            <a:spLocks noGrp="1"/>
+          </p:cNvSpPr>
+          <p:nvPr>
+            <p:ph type="title"/>
           </p:nvPr>
         </p:nvSpPr>
         <p:spPr/>
@@ -9019,16 +9104,37 @@
           <a:lstStyle/>
           <a:p>
             <a:pPr lvl="0" marL="0" indent="0">
-              <a:spcBef>
-                <a:spcPts val="3000"/>
-              </a:spcBef>
               <a:buNone/>
             </a:pPr>
             <a:r>
-              <a:rPr b="1"/>
-              <a:t>Test program</a:t>
-            </a:r>
-          </a:p>
+              <a:rPr/>
+              <a:t>Test</a:t>
+            </a:r>
+            <a:r>
+              <a:rPr/>
+              <a:t> </a:t>
+            </a:r>
+            <a:r>
+              <a:rPr/>
+              <a:t>program</a:t>
+            </a:r>
+          </a:p>
+        </p:txBody>
+      </p:sp>
+      <p:sp>
+        <p:nvSpPr>
+          <p:cNvPr id="3" name="Content Placeholder 2"/>
+          <p:cNvSpPr>
+            <a:spLocks noGrp="1"/>
+          </p:cNvSpPr>
+          <p:nvPr>
+            <p:ph idx="1"/>
+          </p:nvPr>
+        </p:nvSpPr>
+        <p:spPr/>
+        <p:txBody>
+          <a:bodyPr/>
+          <a:lstStyle/>
           <a:p>
             <a:pPr lvl="0" marL="1270000" indent="0">
               <a:buNone/>
@@ -9057,7 +9163,7 @@
 </p:sld>
 </file>
 
-<file path=ppt/slides/slide13.xml><?xml version="1.0" encoding="utf-8"?>
+<file path=ppt/slides/slide12.xml><?xml version="1.0" encoding="utf-8"?>
 <p:sld xmlns:a="http://schemas.openxmlformats.org/drawingml/2006/main" xmlns:r="http://schemas.openxmlformats.org/officeDocument/2006/relationships" xmlns:p="http://schemas.openxmlformats.org/presentationml/2006/main">
   <p:cSld>
     <p:spTree>
@@ -9109,7 +9215,7 @@
 </p:sld>
 </file>
 
-<file path=ppt/slides/slide14.xml><?xml version="1.0" encoding="utf-8"?>
+<file path=ppt/slides/slide13.xml><?xml version="1.0" encoding="utf-8"?>
 <p:sld xmlns:a="http://schemas.openxmlformats.org/drawingml/2006/main" xmlns:r="http://schemas.openxmlformats.org/officeDocument/2006/relationships" xmlns:p="http://schemas.openxmlformats.org/presentationml/2006/main">
   <p:cSld>
     <p:spTree>
@@ -9161,6 +9267,94 @@
 </p:sld>
 </file>
 
+<file path=ppt/slides/slide14.xml><?xml version="1.0" encoding="utf-8"?>
+<p:sld xmlns:a="http://schemas.openxmlformats.org/drawingml/2006/main" xmlns:r="http://schemas.openxmlformats.org/officeDocument/2006/relationships" xmlns:p="http://schemas.openxmlformats.org/presentationml/2006/main">
+  <p:cSld>
+    <p:spTree>
+      <p:nvGrpSpPr>
+        <p:cNvPr id="1" name=""/>
+        <p:cNvGrpSpPr/>
+        <p:nvPr/>
+      </p:nvGrpSpPr>
+      <p:grpSpPr>
+        <a:xfrm>
+          <a:off x="0" y="0"/>
+          <a:ext cx="0" cy="0"/>
+          <a:chOff x="0" y="0"/>
+          <a:chExt cx="0" cy="0"/>
+        </a:xfrm>
+      </p:grpSpPr>
+      <p:sp>
+        <p:nvSpPr>
+          <p:cNvPr id="2" name="Title 1"/>
+          <p:cNvSpPr>
+            <a:spLocks noGrp="1"/>
+          </p:cNvSpPr>
+          <p:nvPr>
+            <p:ph type="title"/>
+          </p:nvPr>
+        </p:nvSpPr>
+        <p:spPr/>
+        <p:txBody>
+          <a:bodyPr/>
+          <a:lstStyle/>
+          <a:p>
+            <a:pPr lvl="0" marL="0" indent="0">
+              <a:buNone/>
+            </a:pPr>
+            <a:r>
+              <a:rPr/>
+              <a:t>Log</a:t>
+            </a:r>
+            <a:r>
+              <a:rPr/>
+              <a:t> </a:t>
+            </a:r>
+            <a:r>
+              <a:rPr/>
+              <a:t>messages</a:t>
+            </a:r>
+          </a:p>
+        </p:txBody>
+      </p:sp>
+      <p:sp>
+        <p:nvSpPr>
+          <p:cNvPr id="3" name="Content Placeholder 2"/>
+          <p:cNvSpPr>
+            <a:spLocks noGrp="1"/>
+          </p:cNvSpPr>
+          <p:nvPr>
+            <p:ph idx="1"/>
+          </p:nvPr>
+        </p:nvSpPr>
+        <p:spPr/>
+        <p:txBody>
+          <a:bodyPr/>
+          <a:lstStyle/>
+          <a:p>
+            <a:pPr lvl="0" marL="1270000" indent="0">
+              <a:buNone/>
+            </a:pPr>
+            <a:r>
+              <a:rPr sz="1800">
+                <a:latin typeface="Courier"/>
+              </a:rPr>
+              <a:t>1    data test_example;
+2     input x y;
+3     cards;
+NOTE: The data set WORK.TEST_EXAMPLE has 3 observations and 2 variables.
+NOTE: DATA statement used (Total process time):
+      real time           0.51 seconds
+      cpu time            0.04 seconds</a:t>
+            </a:r>
+          </a:p>
+        </p:txBody>
+      </p:sp>
+    </p:spTree>
+  </p:cSld>
+</p:sld>
+</file>
+
 <file path=ppt/slides/slide15.xml><?xml version="1.0" encoding="utf-8"?>
 <p:sld xmlns:a="http://schemas.openxmlformats.org/drawingml/2006/main" xmlns:r="http://schemas.openxmlformats.org/officeDocument/2006/relationships" xmlns:p="http://schemas.openxmlformats.org/presentationml/2006/main">
   <p:cSld>
@@ -9180,12 +9374,12 @@
       </p:grpSpPr>
       <p:sp>
         <p:nvSpPr>
-          <p:cNvPr id="3" name="Content Placeholder 2"/>
-          <p:cNvSpPr>
-            <a:spLocks noGrp="1"/>
-          </p:cNvSpPr>
-          <p:nvPr>
-            <p:ph idx="1"/>
+          <p:cNvPr id="2" name="Title 1"/>
+          <p:cNvSpPr>
+            <a:spLocks noGrp="1"/>
+          </p:cNvSpPr>
+          <p:nvPr>
+            <p:ph type="title"/>
           </p:nvPr>
         </p:nvSpPr>
         <p:spPr/>
@@ -9194,45 +9388,37 @@
           <a:lstStyle/>
           <a:p>
             <a:pPr lvl="0" marL="0" indent="0">
-              <a:spcBef>
-                <a:spcPts val="3000"/>
-              </a:spcBef>
               <a:buNone/>
             </a:pPr>
             <a:r>
-              <a:rPr b="1"/>
-              <a:t>Log messages</a:t>
-            </a:r>
-          </a:p>
-          <a:p>
-            <a:pPr lvl="0" marL="1270000" indent="0">
-              <a:buNone/>
-            </a:pPr>
-            <a:r>
-              <a:rPr sz="1800">
-                <a:latin typeface="Courier"/>
-              </a:rPr>
-              <a:t>1    data test_example;
-2     input x y;
-3     cards;
-NOTE: The data set WORK.TEST_EXAMPLE has 3 observations and 2 variables.
-NOTE: DATA statement used (Total process time):
-      real time           0.51 seconds
-      cpu time            0.04 seconds</a:t>
-            </a:r>
-          </a:p>
-          <a:p>
-            <a:pPr lvl="0" marL="0" indent="0">
-              <a:spcBef>
-                <a:spcPts val="3000"/>
-              </a:spcBef>
-              <a:buNone/>
-            </a:pPr>
-            <a:r>
-              <a:rPr b="1"/>
-              <a:t>Log messages</a:t>
-            </a:r>
-          </a:p>
+              <a:rPr/>
+              <a:t>Log</a:t>
+            </a:r>
+            <a:r>
+              <a:rPr/>
+              <a:t> </a:t>
+            </a:r>
+            <a:r>
+              <a:rPr/>
+              <a:t>messages</a:t>
+            </a:r>
+          </a:p>
+        </p:txBody>
+      </p:sp>
+      <p:sp>
+        <p:nvSpPr>
+          <p:cNvPr id="3" name="Content Placeholder 2"/>
+          <p:cNvSpPr>
+            <a:spLocks noGrp="1"/>
+          </p:cNvSpPr>
+          <p:nvPr>
+            <p:ph idx="1"/>
+          </p:nvPr>
+        </p:nvSpPr>
+        <p:spPr/>
+        <p:txBody>
+          <a:bodyPr/>
+          <a:lstStyle/>
           <a:p>
             <a:pPr lvl="0" marL="1270000" indent="0">
               <a:buNone/>
@@ -9252,48 +9438,6 @@
       cpu time            0.20 seconds</a:t>
             </a:r>
           </a:p>
-          <a:p>
-            <a:pPr lvl="0" marL="0" indent="0">
-              <a:spcBef>
-                <a:spcPts val="3000"/>
-              </a:spcBef>
-              <a:buNone/>
-            </a:pPr>
-            <a:r>
-              <a:rPr b="1"/>
-              <a:t>Where is the output?</a:t>
-            </a:r>
-          </a:p>
-          <a:p>
-            <a:pPr lvl="0" marL="0" indent="0">
-              <a:buNone/>
-            </a:pPr>
-            <a:r>
-              <a:rPr/>
-              <a:t>SAS has several options for storing output.</a:t>
-            </a:r>
-          </a:p>
-          <a:p>
-            <a:pPr lvl="1"/>
-            <a:r>
-              <a:rPr/>
-              <a:t>In the output window</a:t>
-            </a:r>
-          </a:p>
-          <a:p>
-            <a:pPr lvl="1"/>
-            <a:r>
-              <a:rPr/>
-              <a:t>As an html file</a:t>
-            </a:r>
-          </a:p>
-          <a:p>
-            <a:pPr lvl="1"/>
-            <a:r>
-              <a:rPr/>
-              <a:t>As a pdf file</a:t>
-            </a:r>
-          </a:p>
         </p:txBody>
       </p:sp>
     </p:spTree>
@@ -9302,6 +9446,123 @@
 </file>
 
 <file path=ppt/slides/slide16.xml><?xml version="1.0" encoding="utf-8"?>
+<p:sld xmlns:a="http://schemas.openxmlformats.org/drawingml/2006/main" xmlns:r="http://schemas.openxmlformats.org/officeDocument/2006/relationships" xmlns:p="http://schemas.openxmlformats.org/presentationml/2006/main">
+  <p:cSld>
+    <p:spTree>
+      <p:nvGrpSpPr>
+        <p:cNvPr id="1" name=""/>
+        <p:cNvGrpSpPr/>
+        <p:nvPr/>
+      </p:nvGrpSpPr>
+      <p:grpSpPr>
+        <a:xfrm>
+          <a:off x="0" y="0"/>
+          <a:ext cx="0" cy="0"/>
+          <a:chOff x="0" y="0"/>
+          <a:chExt cx="0" cy="0"/>
+        </a:xfrm>
+      </p:grpSpPr>
+      <p:sp>
+        <p:nvSpPr>
+          <p:cNvPr id="2" name="Title 1"/>
+          <p:cNvSpPr>
+            <a:spLocks noGrp="1"/>
+          </p:cNvSpPr>
+          <p:nvPr>
+            <p:ph type="title"/>
+          </p:nvPr>
+        </p:nvSpPr>
+        <p:spPr/>
+        <p:txBody>
+          <a:bodyPr/>
+          <a:lstStyle/>
+          <a:p>
+            <a:pPr lvl="0" marL="0" indent="0">
+              <a:buNone/>
+            </a:pPr>
+            <a:r>
+              <a:rPr/>
+              <a:t>Where</a:t>
+            </a:r>
+            <a:r>
+              <a:rPr/>
+              <a:t> </a:t>
+            </a:r>
+            <a:r>
+              <a:rPr/>
+              <a:t>is</a:t>
+            </a:r>
+            <a:r>
+              <a:rPr/>
+              <a:t> </a:t>
+            </a:r>
+            <a:r>
+              <a:rPr/>
+              <a:t>the</a:t>
+            </a:r>
+            <a:r>
+              <a:rPr/>
+              <a:t> </a:t>
+            </a:r>
+            <a:r>
+              <a:rPr/>
+              <a:t>output?</a:t>
+            </a:r>
+          </a:p>
+        </p:txBody>
+      </p:sp>
+      <p:sp>
+        <p:nvSpPr>
+          <p:cNvPr id="3" name="Content Placeholder 2"/>
+          <p:cNvSpPr>
+            <a:spLocks noGrp="1"/>
+          </p:cNvSpPr>
+          <p:nvPr>
+            <p:ph idx="1"/>
+          </p:nvPr>
+        </p:nvSpPr>
+        <p:spPr/>
+        <p:txBody>
+          <a:bodyPr/>
+          <a:lstStyle/>
+          <a:p>
+            <a:pPr lvl="0" marL="0" indent="0">
+              <a:buNone/>
+            </a:pPr>
+            <a:r>
+              <a:rPr/>
+              <a:t>SAS has several options for storing output.</a:t>
+            </a:r>
+          </a:p>
+          <a:p>
+            <a:pPr lvl="1"/>
+            <a:r>
+              <a:rPr/>
+              <a:t>In the output window</a:t>
+            </a:r>
+          </a:p>
+          <a:p>
+            <a:pPr lvl="1"/>
+            <a:r>
+              <a:rPr/>
+              <a:t>As an html file</a:t>
+            </a:r>
+          </a:p>
+          <a:p>
+            <a:pPr lvl="1"/>
+            <a:r>
+              <a:rPr/>
+              <a:t>As a pdf file</a:t>
+            </a:r>
+          </a:p>
+        </p:txBody>
+      </p:sp>
+    </p:spTree>
+  </p:cSld>
+</p:sld>
+</file>
+
+<file path=ppt/slides/slide17.xml><?xml version="1.0" encoding="utf-8"?>
 <p:sld xmlns:a="http://schemas.openxmlformats.org/drawingml/2006/main" xmlns:r="http://schemas.openxmlformats.org/officeDocument/2006/relationships" xmlns:p="http://schemas.openxmlformats.org/presentationml/2006/main">
   <p:cSld>
     <p:spTree>
@@ -9353,7 +9614,7 @@
 </p:sld>
 </file>
 
-<file path=ppt/slides/slide17.xml><?xml version="1.0" encoding="utf-8"?>
+<file path=ppt/slides/slide18.xml><?xml version="1.0" encoding="utf-8"?>
 <p:sld xmlns:a="http://schemas.openxmlformats.org/drawingml/2006/main" xmlns:r="http://schemas.openxmlformats.org/officeDocument/2006/relationships" xmlns:p="http://schemas.openxmlformats.org/presentationml/2006/main">
   <p:cSld>
     <p:spTree>
@@ -9405,7 +9666,7 @@
 </p:sld>
 </file>
 
-<file path=ppt/slides/slide18.xml><?xml version="1.0" encoding="utf-8"?>
+<file path=ppt/slides/slide19.xml><?xml version="1.0" encoding="utf-8"?>
 <p:sld xmlns:a="http://schemas.openxmlformats.org/drawingml/2006/main" xmlns:r="http://schemas.openxmlformats.org/officeDocument/2006/relationships" xmlns:p="http://schemas.openxmlformats.org/presentationml/2006/main">
   <p:cSld>
     <p:spTree>
@@ -9457,7 +9718,108 @@
 </p:sld>
 </file>
 
-<file path=ppt/slides/slide19.xml><?xml version="1.0" encoding="utf-8"?>
+<file path=ppt/slides/slide2.xml><?xml version="1.0" encoding="utf-8"?>
+<p:sld xmlns:a="http://schemas.openxmlformats.org/drawingml/2006/main" xmlns:r="http://schemas.openxmlformats.org/officeDocument/2006/relationships" xmlns:p="http://schemas.openxmlformats.org/presentationml/2006/main">
+  <p:cSld>
+    <p:spTree>
+      <p:nvGrpSpPr>
+        <p:cNvPr id="1" name=""/>
+        <p:cNvGrpSpPr/>
+        <p:nvPr/>
+      </p:nvGrpSpPr>
+      <p:grpSpPr>
+        <a:xfrm>
+          <a:off x="0" y="0"/>
+          <a:ext cx="0" cy="0"/>
+          <a:chOff x="0" y="0"/>
+          <a:chExt cx="0" cy="0"/>
+        </a:xfrm>
+      </p:grpSpPr>
+      <p:sp>
+        <p:nvSpPr>
+          <p:cNvPr id="2" name="Title 1"/>
+          <p:cNvSpPr>
+            <a:spLocks noGrp="1"/>
+          </p:cNvSpPr>
+          <p:nvPr>
+            <p:ph type="title"/>
+          </p:nvPr>
+        </p:nvSpPr>
+        <p:spPr/>
+        <p:txBody>
+          <a:bodyPr/>
+          <a:lstStyle/>
+          <a:p>
+            <a:pPr lvl="0" marL="0" indent="0">
+              <a:buNone/>
+            </a:pPr>
+            <a:r>
+              <a:rPr/>
+              <a:t>Course</a:t>
+            </a:r>
+            <a:r>
+              <a:rPr/>
+              <a:t> </a:t>
+            </a:r>
+            <a:r>
+              <a:rPr/>
+              <a:t>instructor,</a:t>
+            </a:r>
+            <a:r>
+              <a:rPr/>
+              <a:t> </a:t>
+            </a:r>
+            <a:r>
+              <a:rPr/>
+              <a:t>Steve</a:t>
+            </a:r>
+            <a:r>
+              <a:rPr/>
+              <a:t> </a:t>
+            </a:r>
+            <a:r>
+              <a:rPr/>
+              <a:t>Simon</a:t>
+            </a:r>
+          </a:p>
+        </p:txBody>
+      </p:sp>
+      <p:pic>
+        <p:nvPicPr>
+          <p:cNvPr descr="../images/SteveSimonPic.jpg" id="0" name="Picture 1"/>
+          <p:cNvPicPr>
+            <a:picLocks noGrp="1" noChangeAspect="1"/>
+          </p:cNvPicPr>
+          <p:nvPr/>
+        </p:nvPicPr>
+        <p:blipFill>
+          <a:blip r:embed="rId2"/>
+          <a:stretch>
+            <a:fillRect/>
+          </a:stretch>
+        </p:blipFill>
+        <p:spPr bwMode="auto">
+          <a:xfrm>
+            <a:off x="2794000" y="1600200"/>
+            <a:ext cx="3543300" cy="4521200"/>
+          </a:xfrm>
+          <a:prstGeom prst="rect">
+            <a:avLst/>
+          </a:prstGeom>
+          <a:noFill/>
+          <a:ln w="9525">
+            <a:noFill/>
+            <a:headEnd/>
+            <a:tailEnd/>
+          </a:ln>
+        </p:spPr>
+      </p:pic>
+    </p:spTree>
+  </p:cSld>
+</p:sld>
+</file>
+
+<file path=ppt/slides/slide20.xml><?xml version="1.0" encoding="utf-8"?>
 <p:sld xmlns:a="http://schemas.openxmlformats.org/drawingml/2006/main" xmlns:r="http://schemas.openxmlformats.org/officeDocument/2006/relationships" xmlns:p="http://schemas.openxmlformats.org/presentationml/2006/main">
   <p:cSld>
     <p:spTree>
@@ -9509,148 +9871,7 @@
 </p:sld>
 </file>
 
-<file path=ppt/slides/slide2.xml><?xml version="1.0" encoding="utf-8"?>
-<p:sld xmlns:a="http://schemas.openxmlformats.org/drawingml/2006/main" xmlns:r="http://schemas.openxmlformats.org/officeDocument/2006/relationships" xmlns:p="http://schemas.openxmlformats.org/presentationml/2006/main">
-  <p:cSld>
-    <p:spTree>
-      <p:nvGrpSpPr>
-        <p:cNvPr id="1" name=""/>
-        <p:cNvGrpSpPr/>
-        <p:nvPr/>
-      </p:nvGrpSpPr>
-      <p:grpSpPr>
-        <a:xfrm>
-          <a:off x="0" y="0"/>
-          <a:ext cx="0" cy="0"/>
-          <a:chOff x="0" y="0"/>
-          <a:chExt cx="0" cy="0"/>
-        </a:xfrm>
-      </p:grpSpPr>
-      <p:sp>
-        <p:nvSpPr>
-          <p:cNvPr id="2" name="Title 1"/>
-          <p:cNvSpPr>
-            <a:spLocks noGrp="1"/>
-          </p:cNvSpPr>
-          <p:nvPr>
-            <p:ph type="title"/>
-          </p:nvPr>
-        </p:nvSpPr>
-        <p:spPr/>
-        <p:txBody>
-          <a:bodyPr/>
-          <a:lstStyle/>
-          <a:p>
-            <a:pPr lvl="0" marL="0" indent="0">
-              <a:buNone/>
-            </a:pPr>
-            <a:r>
-              <a:rPr/>
-              <a:t>Then</a:t>
-            </a:r>
-            <a:r>
-              <a:rPr/>
-              <a:t> </a:t>
-            </a:r>
-            <a:r>
-              <a:rPr/>
-              <a:t>set</a:t>
-            </a:r>
-            <a:r>
-              <a:rPr/>
-              <a:t> </a:t>
-            </a:r>
-            <a:r>
-              <a:rPr/>
-              <a:t>up</a:t>
-            </a:r>
-            <a:r>
-              <a:rPr/>
-              <a:t> </a:t>
-            </a:r>
-            <a:r>
-              <a:rPr/>
-              <a:t>SAS</a:t>
-            </a:r>
-            <a:r>
-              <a:rPr/>
-              <a:t> </a:t>
-            </a:r>
-            <a:r>
-              <a:rPr/>
-              <a:t>code</a:t>
-            </a:r>
-            <a:r>
-              <a:rPr/>
-              <a:t> </a:t>
-            </a:r>
-            <a:r>
-              <a:rPr/>
-              <a:t>chunks</a:t>
-            </a:r>
-            <a:r>
-              <a:rPr/>
-              <a:t> </a:t>
-            </a:r>
-            <a:r>
-              <a:rPr/>
-              <a:t>with</a:t>
-            </a:r>
-          </a:p>
-        </p:txBody>
-      </p:sp>
-      <p:sp>
-        <p:nvSpPr>
-          <p:cNvPr id="3" name="Content Placeholder 2"/>
-          <p:cNvSpPr>
-            <a:spLocks noGrp="1"/>
-          </p:cNvSpPr>
-          <p:nvPr>
-            <p:ph idx="1"/>
-          </p:nvPr>
-        </p:nvSpPr>
-        <p:spPr/>
-        <p:txBody>
-          <a:bodyPr/>
-          <a:lstStyle/>
-          <a:p>
-            <a:pPr lvl="0" marL="1270000" indent="0">
-              <a:buNone/>
-            </a:pPr>
-            <a:r>
-              <a:rPr sz="1800">
-                <a:latin typeface="Courier"/>
-              </a:rPr>
-              <a:t>##                             The MEANS Procedure
-## 
-##  Variable    N           Mean        Std Dev        Minimum        Maximum
-##  -------------------------------------------------------------------------
-##  Age        19     13.3157895      1.4926722     11.0000000     16.0000000
-##  Height     19     62.3368421      5.1270752     51.3000000     72.0000000
-##  Weight     19    100.0263158     22.7739335     50.5000000    150.0000000
-##  -------------------------------------------------------------------------</a:t>
-            </a:r>
-          </a:p>
-          <a:p>
-            <a:pPr lvl="0" marL="0" indent="0">
-              <a:spcBef>
-                <a:spcPts val="3000"/>
-              </a:spcBef>
-              <a:buNone/>
-            </a:pPr>
-            <a:r>
-              <a:rPr b="1"/>
-              <a:t>Course instructor, Steve Simon</a:t>
-            </a:r>
-          </a:p>
-        </p:txBody>
-      </p:sp>
-    </p:spTree>
-  </p:cSld>
-</p:sld>
-</file>
-
-<file path=ppt/slides/slide20.xml><?xml version="1.0" encoding="utf-8"?>
+<file path=ppt/slides/slide21.xml><?xml version="1.0" encoding="utf-8"?>
 <p:sld xmlns:a="http://schemas.openxmlformats.org/drawingml/2006/main" xmlns:r="http://schemas.openxmlformats.org/officeDocument/2006/relationships" xmlns:p="http://schemas.openxmlformats.org/presentationml/2006/main">
   <p:cSld>
     <p:spTree>
@@ -9702,7 +9923,7 @@
 </p:sld>
 </file>
 
-<file path=ppt/slides/slide21.xml><?xml version="1.0" encoding="utf-8"?>
+<file path=ppt/slides/slide22.xml><?xml version="1.0" encoding="utf-8"?>
 <p:sld xmlns:a="http://schemas.openxmlformats.org/drawingml/2006/main" xmlns:r="http://schemas.openxmlformats.org/officeDocument/2006/relationships" xmlns:p="http://schemas.openxmlformats.org/presentationml/2006/main">
   <p:cSld>
     <p:spTree>
@@ -9749,7 +9970,7 @@
 </p:sld>
 </file>
 
-<file path=ppt/slides/slide22.xml><?xml version="1.0" encoding="utf-8"?>
+<file path=ppt/slides/slide23.xml><?xml version="1.0" encoding="utf-8"?>
 <p:sld xmlns:a="http://schemas.openxmlformats.org/drawingml/2006/main" xmlns:r="http://schemas.openxmlformats.org/officeDocument/2006/relationships" xmlns:p="http://schemas.openxmlformats.org/presentationml/2006/main">
   <p:cSld>
     <p:spTree>
@@ -9818,89 +10039,62 @@
           <a:chExt cx="0" cy="0"/>
         </a:xfrm>
       </p:grpSpPr>
-      <p:pic>
-        <p:nvPicPr>
-          <p:cNvPr descr="../images/SteveSimonPic.jpg" id="0" name="Picture 1"/>
-          <p:cNvPicPr>
-            <a:picLocks noGrp="1" noChangeAspect="1"/>
-          </p:cNvPicPr>
-          <p:nvPr/>
-        </p:nvPicPr>
-        <p:blipFill>
-          <a:blip r:embed="rId2"/>
-          <a:stretch>
-            <a:fillRect/>
-          </a:stretch>
-        </p:blipFill>
-        <p:spPr bwMode="auto">
-          <a:xfrm>
-            <a:off x="2794000" y="1600200"/>
-            <a:ext cx="3543300" cy="4521200"/>
-          </a:xfrm>
-          <a:prstGeom prst="rect">
-            <a:avLst/>
-          </a:prstGeom>
-          <a:noFill/>
-          <a:ln w="9525">
-            <a:noFill/>
-            <a:headEnd/>
-            <a:tailEnd/>
-          </a:ln>
-        </p:spPr>
-      </p:pic>
+      <p:sp>
+        <p:nvSpPr>
+          <p:cNvPr id="2" name="Title 1"/>
+          <p:cNvSpPr>
+            <a:spLocks noGrp="1"/>
+          </p:cNvSpPr>
+          <p:nvPr>
+            <p:ph type="title"/>
+          </p:nvPr>
+        </p:nvSpPr>
+        <p:spPr/>
+        <p:txBody>
+          <a:bodyPr/>
+          <a:lstStyle/>
+          <a:p>
+            <a:pPr lvl="0" marL="0" indent="0">
+              <a:buNone/>
+            </a:pPr>
+            <a:r>
+              <a:rPr/>
+              <a:t>Documentation</a:t>
+            </a:r>
+          </a:p>
+        </p:txBody>
+      </p:sp>
+      <p:sp>
+        <p:nvSpPr>
+          <p:cNvPr id="3" name="Content Placeholder 2"/>
+          <p:cNvSpPr>
+            <a:spLocks noGrp="1"/>
+          </p:cNvSpPr>
+          <p:nvPr>
+            <p:ph idx="1"/>
+          </p:nvPr>
+        </p:nvSpPr>
+        <p:spPr/>
+        <p:txBody>
+          <a:bodyPr/>
+          <a:lstStyle/>
+          <a:p>
+            <a:pPr lvl="0" marL="0" indent="0">
+              <a:buNone/>
+            </a:pPr>
+            <a:r>
+              <a:rPr/>
+              <a:t>These slides were printed on 2019-06-09 17:36:42.</a:t>
+            </a:r>
+          </a:p>
+        </p:txBody>
+      </p:sp>
     </p:spTree>
   </p:cSld>
 </p:sld>
 </file>
 
 <file path=ppt/slides/slide4.xml><?xml version="1.0" encoding="utf-8"?>
-<p:sld xmlns:a="http://schemas.openxmlformats.org/drawingml/2006/main" xmlns:r="http://schemas.openxmlformats.org/officeDocument/2006/relationships" xmlns:p="http://schemas.openxmlformats.org/presentationml/2006/main">
-  <p:cSld>
-    <p:spTree>
-      <p:nvGrpSpPr>
-        <p:cNvPr id="1" name=""/>
-        <p:cNvGrpSpPr/>
-        <p:nvPr/>
-      </p:nvGrpSpPr>
-      <p:grpSpPr>
-        <a:xfrm>
-          <a:off x="0" y="0"/>
-          <a:ext cx="0" cy="0"/>
-          <a:chOff x="0" y="0"/>
-          <a:chExt cx="0" cy="0"/>
-        </a:xfrm>
-      </p:grpSpPr>
-      <p:sp>
-        <p:nvSpPr>
-          <p:cNvPr id="3" name="Content Placeholder 2"/>
-          <p:cNvSpPr>
-            <a:spLocks noGrp="1"/>
-          </p:cNvSpPr>
-          <p:nvPr>
-            <p:ph idx="1"/>
-          </p:nvPr>
-        </p:nvSpPr>
-        <p:spPr/>
-        <p:txBody>
-          <a:bodyPr/>
-          <a:lstStyle/>
-          <a:p>
-            <a:pPr lvl="0" marL="0" indent="0">
-              <a:buNone/>
-            </a:pPr>
-            <a:r>
-              <a:rPr/>
-              <a:t>These slides were printed on 2019-06-09 17:21:08.</a:t>
-            </a:r>
-          </a:p>
-        </p:txBody>
-      </p:sp>
-    </p:spTree>
-  </p:cSld>
-</p:sld>
-</file>
-
-<file path=ppt/slides/slide5.xml><?xml version="1.0" encoding="utf-8"?>
 <p:sld xmlns:a="http://schemas.openxmlformats.org/drawingml/2006/main" xmlns:r="http://schemas.openxmlformats.org/officeDocument/2006/relationships" xmlns:p="http://schemas.openxmlformats.org/presentationml/2006/main">
   <p:cSld>
     <p:spTree>
@@ -9952,7 +10146,7 @@
 </p:sld>
 </file>
 
-<file path=ppt/slides/slide6.xml><?xml version="1.0" encoding="utf-8"?>
+<file path=ppt/slides/slide5.xml><?xml version="1.0" encoding="utf-8"?>
 <p:sld xmlns:a="http://schemas.openxmlformats.org/drawingml/2006/main" xmlns:r="http://schemas.openxmlformats.org/officeDocument/2006/relationships" xmlns:p="http://schemas.openxmlformats.org/presentationml/2006/main">
   <p:cSld>
     <p:spTree>
@@ -10004,7 +10198,7 @@
 </p:sld>
 </file>
 
-<file path=ppt/slides/slide7.xml><?xml version="1.0" encoding="utf-8"?>
+<file path=ppt/slides/slide6.xml><?xml version="1.0" encoding="utf-8"?>
 <p:sld xmlns:a="http://schemas.openxmlformats.org/drawingml/2006/main" xmlns:r="http://schemas.openxmlformats.org/officeDocument/2006/relationships" xmlns:p="http://schemas.openxmlformats.org/presentationml/2006/main">
   <p:cSld>
     <p:spTree>
@@ -10056,7 +10250,7 @@
 </p:sld>
 </file>
 
-<file path=ppt/slides/slide8.xml><?xml version="1.0" encoding="utf-8"?>
+<file path=ppt/slides/slide7.xml><?xml version="1.0" encoding="utf-8"?>
 <p:sld xmlns:a="http://schemas.openxmlformats.org/drawingml/2006/main" xmlns:r="http://schemas.openxmlformats.org/officeDocument/2006/relationships" xmlns:p="http://schemas.openxmlformats.org/presentationml/2006/main">
   <p:cSld>
     <p:spTree>
@@ -10108,7 +10302,7 @@
 </p:sld>
 </file>
 
-<file path=ppt/slides/slide9.xml><?xml version="1.0" encoding="utf-8"?>
+<file path=ppt/slides/slide8.xml><?xml version="1.0" encoding="utf-8"?>
 <p:sld xmlns:a="http://schemas.openxmlformats.org/drawingml/2006/main" xmlns:r="http://schemas.openxmlformats.org/officeDocument/2006/relationships" xmlns:p="http://schemas.openxmlformats.org/presentationml/2006/main">
   <p:cSld>
     <p:spTree>
@@ -10143,6 +10337,58 @@
           <a:xfrm>
             <a:off x="825500" y="1600200"/>
             <a:ext cx="7480300" cy="4521200"/>
+          </a:xfrm>
+          <a:prstGeom prst="rect">
+            <a:avLst/>
+          </a:prstGeom>
+          <a:noFill/>
+          <a:ln w="9525">
+            <a:noFill/>
+            <a:headEnd/>
+            <a:tailEnd/>
+          </a:ln>
+        </p:spPr>
+      </p:pic>
+    </p:spTree>
+  </p:cSld>
+</p:sld>
+</file>
+
+<file path=ppt/slides/slide9.xml><?xml version="1.0" encoding="utf-8"?>
+<p:sld xmlns:a="http://schemas.openxmlformats.org/drawingml/2006/main" xmlns:r="http://schemas.openxmlformats.org/officeDocument/2006/relationships" xmlns:p="http://schemas.openxmlformats.org/presentationml/2006/main">
+  <p:cSld>
+    <p:spTree>
+      <p:nvGrpSpPr>
+        <p:cNvPr id="1" name=""/>
+        <p:cNvGrpSpPr/>
+        <p:nvPr/>
+      </p:nvGrpSpPr>
+      <p:grpSpPr>
+        <a:xfrm>
+          <a:off x="0" y="0"/>
+          <a:ext cx="0" cy="0"/>
+          <a:chOff x="0" y="0"/>
+          <a:chExt cx="0" cy="0"/>
+        </a:xfrm>
+      </p:grpSpPr>
+      <p:pic>
+        <p:nvPicPr>
+          <p:cNvPr descr="../images/program-editor.png" id="0" name="Picture 1"/>
+          <p:cNvPicPr>
+            <a:picLocks noGrp="1" noChangeAspect="1"/>
+          </p:cNvPicPr>
+          <p:nvPr/>
+        </p:nvPicPr>
+        <p:blipFill>
+          <a:blip r:embed="rId3"/>
+          <a:stretch>
+            <a:fillRect/>
+          </a:stretch>
+        </p:blipFill>
+        <p:spPr bwMode="auto">
+          <a:xfrm>
+            <a:off x="1333500" y="1600200"/>
+            <a:ext cx="6477000" cy="4521200"/>
           </a:xfrm>
           <a:prstGeom prst="rect">
             <a:avLst/>
